--- a/Exercices/S2_08_ParcoursGraphe/05_Labyrinthe/05_Labyrinthe.pptx
+++ b/Exercices/S2_08_ParcoursGraphe/05_Labyrinthe/05_Labyrinthe.pptx
@@ -6,6 +6,7 @@
   </p:sldMasterIdLst>
   <p:sldIdLst>
     <p:sldId id="256" r:id="rId2"/>
+    <p:sldId id="257" r:id="rId3"/>
   </p:sldIdLst>
   <p:sldSz cx="12192000" cy="6858000"/>
   <p:notesSz cx="6858000" cy="9144000"/>
@@ -104,6 +105,11 @@
       </a:defRPr>
     </a:lvl9pPr>
   </p:defaultTextStyle>
+  <p:extLst>
+    <p:ext uri="{EFAFB233-063F-42B5-8137-9DF3F51BA10A}">
+      <p15:sldGuideLst xmlns:p15="http://schemas.microsoft.com/office/powerpoint/2012/main"/>
+    </p:ext>
+  </p:extLst>
 </p:presentation>
 </file>
 
@@ -238,7 +244,7 @@
           <a:p>
             <a:fld id="{6A68801D-AEE6-489E-9C8E-73DFB7269229}" type="datetimeFigureOut">
               <a:rPr lang="fr-FR" smtClean="0"/>
-              <a:t>24/04/2023</a:t>
+              <a:t>26/04/2023</a:t>
             </a:fld>
             <a:endParaRPr lang="fr-FR"/>
           </a:p>
@@ -408,7 +414,7 @@
           <a:p>
             <a:fld id="{6A68801D-AEE6-489E-9C8E-73DFB7269229}" type="datetimeFigureOut">
               <a:rPr lang="fr-FR" smtClean="0"/>
-              <a:t>24/04/2023</a:t>
+              <a:t>26/04/2023</a:t>
             </a:fld>
             <a:endParaRPr lang="fr-FR"/>
           </a:p>
@@ -588,7 +594,7 @@
           <a:p>
             <a:fld id="{6A68801D-AEE6-489E-9C8E-73DFB7269229}" type="datetimeFigureOut">
               <a:rPr lang="fr-FR" smtClean="0"/>
-              <a:t>24/04/2023</a:t>
+              <a:t>26/04/2023</a:t>
             </a:fld>
             <a:endParaRPr lang="fr-FR"/>
           </a:p>
@@ -758,7 +764,7 @@
           <a:p>
             <a:fld id="{6A68801D-AEE6-489E-9C8E-73DFB7269229}" type="datetimeFigureOut">
               <a:rPr lang="fr-FR" smtClean="0"/>
-              <a:t>24/04/2023</a:t>
+              <a:t>26/04/2023</a:t>
             </a:fld>
             <a:endParaRPr lang="fr-FR"/>
           </a:p>
@@ -1004,7 +1010,7 @@
           <a:p>
             <a:fld id="{6A68801D-AEE6-489E-9C8E-73DFB7269229}" type="datetimeFigureOut">
               <a:rPr lang="fr-FR" smtClean="0"/>
-              <a:t>24/04/2023</a:t>
+              <a:t>26/04/2023</a:t>
             </a:fld>
             <a:endParaRPr lang="fr-FR"/>
           </a:p>
@@ -1236,7 +1242,7 @@
           <a:p>
             <a:fld id="{6A68801D-AEE6-489E-9C8E-73DFB7269229}" type="datetimeFigureOut">
               <a:rPr lang="fr-FR" smtClean="0"/>
-              <a:t>24/04/2023</a:t>
+              <a:t>26/04/2023</a:t>
             </a:fld>
             <a:endParaRPr lang="fr-FR"/>
           </a:p>
@@ -1603,7 +1609,7 @@
           <a:p>
             <a:fld id="{6A68801D-AEE6-489E-9C8E-73DFB7269229}" type="datetimeFigureOut">
               <a:rPr lang="fr-FR" smtClean="0"/>
-              <a:t>24/04/2023</a:t>
+              <a:t>26/04/2023</a:t>
             </a:fld>
             <a:endParaRPr lang="fr-FR"/>
           </a:p>
@@ -1721,7 +1727,7 @@
           <a:p>
             <a:fld id="{6A68801D-AEE6-489E-9C8E-73DFB7269229}" type="datetimeFigureOut">
               <a:rPr lang="fr-FR" smtClean="0"/>
-              <a:t>24/04/2023</a:t>
+              <a:t>26/04/2023</a:t>
             </a:fld>
             <a:endParaRPr lang="fr-FR"/>
           </a:p>
@@ -1816,7 +1822,7 @@
           <a:p>
             <a:fld id="{6A68801D-AEE6-489E-9C8E-73DFB7269229}" type="datetimeFigureOut">
               <a:rPr lang="fr-FR" smtClean="0"/>
-              <a:t>24/04/2023</a:t>
+              <a:t>26/04/2023</a:t>
             </a:fld>
             <a:endParaRPr lang="fr-FR"/>
           </a:p>
@@ -2093,7 +2099,7 @@
           <a:p>
             <a:fld id="{6A68801D-AEE6-489E-9C8E-73DFB7269229}" type="datetimeFigureOut">
               <a:rPr lang="fr-FR" smtClean="0"/>
-              <a:t>24/04/2023</a:t>
+              <a:t>26/04/2023</a:t>
             </a:fld>
             <a:endParaRPr lang="fr-FR"/>
           </a:p>
@@ -2346,7 +2352,7 @@
           <a:p>
             <a:fld id="{6A68801D-AEE6-489E-9C8E-73DFB7269229}" type="datetimeFigureOut">
               <a:rPr lang="fr-FR" smtClean="0"/>
-              <a:t>24/04/2023</a:t>
+              <a:t>26/04/2023</a:t>
             </a:fld>
             <a:endParaRPr lang="fr-FR"/>
           </a:p>
@@ -2559,7 +2565,7 @@
           <a:p>
             <a:fld id="{6A68801D-AEE6-489E-9C8E-73DFB7269229}" type="datetimeFigureOut">
               <a:rPr lang="fr-FR" smtClean="0"/>
-              <a:t>24/04/2023</a:t>
+              <a:t>26/04/2023</a:t>
             </a:fld>
             <a:endParaRPr lang="fr-FR"/>
           </a:p>
@@ -4277,10 +4283,992 @@
           </p:grpSp>
         </p:grpSp>
       </p:grpSp>
+      <p:grpSp>
+        <p:nvGrpSpPr>
+          <p:cNvPr id="30" name="Groupe 29"/>
+          <p:cNvGrpSpPr/>
+          <p:nvPr/>
+        </p:nvGrpSpPr>
+        <p:grpSpPr>
+          <a:xfrm>
+            <a:off x="6816080" y="2890152"/>
+            <a:ext cx="1081952" cy="1081252"/>
+            <a:chOff x="2313992" y="3250152"/>
+            <a:chExt cx="1081952" cy="1081252"/>
+          </a:xfrm>
+        </p:grpSpPr>
+        <p:cxnSp>
+          <p:nvCxnSpPr>
+            <p:cNvPr id="31" name="Connecteur droit 30"/>
+            <p:cNvCxnSpPr>
+              <a:stCxn id="38" idx="6"/>
+              <a:endCxn id="39" idx="2"/>
+            </p:cNvCxnSpPr>
+            <p:nvPr/>
+          </p:nvCxnSpPr>
+          <p:spPr>
+            <a:xfrm>
+              <a:off x="2673992" y="3430152"/>
+              <a:ext cx="361952" cy="0"/>
+            </a:xfrm>
+            <a:prstGeom prst="line">
+              <a:avLst/>
+            </a:prstGeom>
+            <a:solidFill>
+              <a:schemeClr val="tx2">
+                <a:lumMod val="20000"/>
+                <a:lumOff val="80000"/>
+              </a:schemeClr>
+            </a:solidFill>
+            <a:ln w="19050">
+              <a:solidFill>
+                <a:schemeClr val="tx2"/>
+              </a:solidFill>
+            </a:ln>
+          </p:spPr>
+          <p:style>
+            <a:lnRef idx="2">
+              <a:schemeClr val="accent1">
+                <a:shade val="50000"/>
+              </a:schemeClr>
+            </a:lnRef>
+            <a:fillRef idx="1">
+              <a:schemeClr val="accent1"/>
+            </a:fillRef>
+            <a:effectRef idx="0">
+              <a:schemeClr val="accent1"/>
+            </a:effectRef>
+            <a:fontRef idx="minor">
+              <a:schemeClr val="lt1"/>
+            </a:fontRef>
+          </p:style>
+        </p:cxnSp>
+        <p:cxnSp>
+          <p:nvCxnSpPr>
+            <p:cNvPr id="32" name="Connecteur droit 31"/>
+            <p:cNvCxnSpPr>
+              <a:stCxn id="40" idx="6"/>
+              <a:endCxn id="41" idx="2"/>
+            </p:cNvCxnSpPr>
+            <p:nvPr/>
+          </p:nvCxnSpPr>
+          <p:spPr>
+            <a:xfrm>
+              <a:off x="2673992" y="4151404"/>
+              <a:ext cx="361952" cy="0"/>
+            </a:xfrm>
+            <a:prstGeom prst="line">
+              <a:avLst/>
+            </a:prstGeom>
+            <a:solidFill>
+              <a:schemeClr val="tx2">
+                <a:lumMod val="20000"/>
+                <a:lumOff val="80000"/>
+              </a:schemeClr>
+            </a:solidFill>
+            <a:ln w="19050">
+              <a:solidFill>
+                <a:schemeClr val="tx2"/>
+              </a:solidFill>
+            </a:ln>
+          </p:spPr>
+          <p:style>
+            <a:lnRef idx="2">
+              <a:schemeClr val="accent1">
+                <a:shade val="50000"/>
+              </a:schemeClr>
+            </a:lnRef>
+            <a:fillRef idx="1">
+              <a:schemeClr val="accent1"/>
+            </a:fillRef>
+            <a:effectRef idx="0">
+              <a:schemeClr val="accent1"/>
+            </a:effectRef>
+            <a:fontRef idx="minor">
+              <a:schemeClr val="lt1"/>
+            </a:fontRef>
+          </p:style>
+        </p:cxnSp>
+        <p:cxnSp>
+          <p:nvCxnSpPr>
+            <p:cNvPr id="33" name="Connecteur droit 32"/>
+            <p:cNvCxnSpPr>
+              <a:stCxn id="40" idx="0"/>
+              <a:endCxn id="38" idx="4"/>
+            </p:cNvCxnSpPr>
+            <p:nvPr/>
+          </p:nvCxnSpPr>
+          <p:spPr>
+            <a:xfrm flipV="1">
+              <a:off x="2493992" y="3610152"/>
+              <a:ext cx="0" cy="361252"/>
+            </a:xfrm>
+            <a:prstGeom prst="line">
+              <a:avLst/>
+            </a:prstGeom>
+            <a:solidFill>
+              <a:schemeClr val="tx2">
+                <a:lumMod val="20000"/>
+                <a:lumOff val="80000"/>
+              </a:schemeClr>
+            </a:solidFill>
+            <a:ln w="19050">
+              <a:solidFill>
+                <a:schemeClr val="tx2"/>
+              </a:solidFill>
+            </a:ln>
+          </p:spPr>
+          <p:style>
+            <a:lnRef idx="2">
+              <a:schemeClr val="accent1">
+                <a:shade val="50000"/>
+              </a:schemeClr>
+            </a:lnRef>
+            <a:fillRef idx="1">
+              <a:schemeClr val="accent1"/>
+            </a:fillRef>
+            <a:effectRef idx="0">
+              <a:schemeClr val="accent1"/>
+            </a:effectRef>
+            <a:fontRef idx="minor">
+              <a:schemeClr val="lt1"/>
+            </a:fontRef>
+          </p:style>
+        </p:cxnSp>
+        <p:cxnSp>
+          <p:nvCxnSpPr>
+            <p:cNvPr id="34" name="Connecteur droit 33"/>
+            <p:cNvCxnSpPr>
+              <a:stCxn id="41" idx="0"/>
+              <a:endCxn id="39" idx="4"/>
+            </p:cNvCxnSpPr>
+            <p:nvPr/>
+          </p:nvCxnSpPr>
+          <p:spPr>
+            <a:xfrm flipV="1">
+              <a:off x="3215944" y="3610152"/>
+              <a:ext cx="0" cy="361252"/>
+            </a:xfrm>
+            <a:prstGeom prst="line">
+              <a:avLst/>
+            </a:prstGeom>
+            <a:solidFill>
+              <a:schemeClr val="tx2">
+                <a:lumMod val="20000"/>
+                <a:lumOff val="80000"/>
+              </a:schemeClr>
+            </a:solidFill>
+            <a:ln w="19050">
+              <a:solidFill>
+                <a:schemeClr val="tx2"/>
+              </a:solidFill>
+            </a:ln>
+          </p:spPr>
+          <p:style>
+            <a:lnRef idx="2">
+              <a:schemeClr val="accent1">
+                <a:shade val="50000"/>
+              </a:schemeClr>
+            </a:lnRef>
+            <a:fillRef idx="1">
+              <a:schemeClr val="accent1"/>
+            </a:fillRef>
+            <a:effectRef idx="0">
+              <a:schemeClr val="accent1"/>
+            </a:effectRef>
+            <a:fontRef idx="minor">
+              <a:schemeClr val="lt1"/>
+            </a:fontRef>
+          </p:style>
+        </p:cxnSp>
+        <p:grpSp>
+          <p:nvGrpSpPr>
+            <p:cNvPr id="35" name="Groupe 34"/>
+            <p:cNvGrpSpPr/>
+            <p:nvPr/>
+          </p:nvGrpSpPr>
+          <p:grpSpPr>
+            <a:xfrm>
+              <a:off x="2313992" y="3250152"/>
+              <a:ext cx="1081952" cy="1081252"/>
+              <a:chOff x="2313992" y="3250152"/>
+              <a:chExt cx="1081952" cy="1081252"/>
+            </a:xfrm>
+          </p:grpSpPr>
+          <p:grpSp>
+            <p:nvGrpSpPr>
+              <p:cNvPr id="36" name="Groupe 35"/>
+              <p:cNvGrpSpPr/>
+              <p:nvPr/>
+            </p:nvGrpSpPr>
+            <p:grpSpPr>
+              <a:xfrm>
+                <a:off x="2313992" y="3971404"/>
+                <a:ext cx="1081952" cy="360000"/>
+                <a:chOff x="2315580" y="3971404"/>
+                <a:chExt cx="1081952" cy="360000"/>
+              </a:xfrm>
+            </p:grpSpPr>
+            <p:sp>
+              <p:nvSpPr>
+                <p:cNvPr id="40" name="Ellipse 39"/>
+                <p:cNvSpPr/>
+                <p:nvPr/>
+              </p:nvSpPr>
+              <p:spPr>
+                <a:xfrm>
+                  <a:off x="2315580" y="3971404"/>
+                  <a:ext cx="360000" cy="360000"/>
+                </a:xfrm>
+                <a:prstGeom prst="ellipse">
+                  <a:avLst/>
+                </a:prstGeom>
+                <a:solidFill>
+                  <a:schemeClr val="tx2">
+                    <a:lumMod val="20000"/>
+                    <a:lumOff val="80000"/>
+                  </a:schemeClr>
+                </a:solidFill>
+                <a:ln w="19050">
+                  <a:solidFill>
+                    <a:schemeClr val="tx2"/>
+                  </a:solidFill>
+                </a:ln>
+              </p:spPr>
+              <p:style>
+                <a:lnRef idx="2">
+                  <a:schemeClr val="accent1">
+                    <a:shade val="50000"/>
+                  </a:schemeClr>
+                </a:lnRef>
+                <a:fillRef idx="1">
+                  <a:schemeClr val="accent1"/>
+                </a:fillRef>
+                <a:effectRef idx="0">
+                  <a:schemeClr val="accent1"/>
+                </a:effectRef>
+                <a:fontRef idx="minor">
+                  <a:schemeClr val="lt1"/>
+                </a:fontRef>
+              </p:style>
+              <p:txBody>
+                <a:bodyPr lIns="0" tIns="0" rIns="0" bIns="0" rtlCol="0" anchor="ctr"/>
+                <a:lstStyle/>
+                <a:p>
+                  <a:pPr algn="ctr"/>
+                  <a:r>
+                    <a:rPr lang="fr-FR" sz="1000" b="1" dirty="0" smtClean="0">
+                      <a:solidFill>
+                        <a:schemeClr val="tx1"/>
+                      </a:solidFill>
+                    </a:rPr>
+                    <a:t>(0,0)</a:t>
+                  </a:r>
+                </a:p>
+              </p:txBody>
+            </p:sp>
+            <p:sp>
+              <p:nvSpPr>
+                <p:cNvPr id="41" name="Ellipse 40"/>
+                <p:cNvSpPr/>
+                <p:nvPr/>
+              </p:nvSpPr>
+              <p:spPr>
+                <a:xfrm>
+                  <a:off x="3037532" y="3971404"/>
+                  <a:ext cx="360000" cy="360000"/>
+                </a:xfrm>
+                <a:prstGeom prst="ellipse">
+                  <a:avLst/>
+                </a:prstGeom>
+                <a:solidFill>
+                  <a:schemeClr val="tx2">
+                    <a:lumMod val="20000"/>
+                    <a:lumOff val="80000"/>
+                  </a:schemeClr>
+                </a:solidFill>
+                <a:ln w="19050">
+                  <a:solidFill>
+                    <a:schemeClr val="tx2"/>
+                  </a:solidFill>
+                </a:ln>
+              </p:spPr>
+              <p:style>
+                <a:lnRef idx="2">
+                  <a:schemeClr val="accent1">
+                    <a:shade val="50000"/>
+                  </a:schemeClr>
+                </a:lnRef>
+                <a:fillRef idx="1">
+                  <a:schemeClr val="accent1"/>
+                </a:fillRef>
+                <a:effectRef idx="0">
+                  <a:schemeClr val="accent1"/>
+                </a:effectRef>
+                <a:fontRef idx="minor">
+                  <a:schemeClr val="lt1"/>
+                </a:fontRef>
+              </p:style>
+              <p:txBody>
+                <a:bodyPr lIns="0" tIns="0" rIns="0" bIns="0" rtlCol="0" anchor="ctr"/>
+                <a:lstStyle/>
+                <a:p>
+                  <a:pPr algn="ctr"/>
+                  <a:r>
+                    <a:rPr lang="fr-FR" sz="1000" b="1" dirty="0" smtClean="0">
+                      <a:solidFill>
+                        <a:schemeClr val="tx1"/>
+                      </a:solidFill>
+                    </a:rPr>
+                    <a:t>(0,1)</a:t>
+                  </a:r>
+                </a:p>
+              </p:txBody>
+            </p:sp>
+          </p:grpSp>
+          <p:grpSp>
+            <p:nvGrpSpPr>
+              <p:cNvPr id="37" name="Groupe 36"/>
+              <p:cNvGrpSpPr/>
+              <p:nvPr/>
+            </p:nvGrpSpPr>
+            <p:grpSpPr>
+              <a:xfrm>
+                <a:off x="2313992" y="3250152"/>
+                <a:ext cx="1081952" cy="360000"/>
+                <a:chOff x="2315580" y="3971404"/>
+                <a:chExt cx="1081952" cy="360000"/>
+              </a:xfrm>
+            </p:grpSpPr>
+            <p:sp>
+              <p:nvSpPr>
+                <p:cNvPr id="38" name="Ellipse 37"/>
+                <p:cNvSpPr/>
+                <p:nvPr/>
+              </p:nvSpPr>
+              <p:spPr>
+                <a:xfrm>
+                  <a:off x="2315580" y="3971404"/>
+                  <a:ext cx="360000" cy="360000"/>
+                </a:xfrm>
+                <a:prstGeom prst="ellipse">
+                  <a:avLst/>
+                </a:prstGeom>
+                <a:solidFill>
+                  <a:schemeClr val="tx2">
+                    <a:lumMod val="20000"/>
+                    <a:lumOff val="80000"/>
+                  </a:schemeClr>
+                </a:solidFill>
+                <a:ln w="19050">
+                  <a:solidFill>
+                    <a:schemeClr val="tx2"/>
+                  </a:solidFill>
+                </a:ln>
+              </p:spPr>
+              <p:style>
+                <a:lnRef idx="2">
+                  <a:schemeClr val="accent1">
+                    <a:shade val="50000"/>
+                  </a:schemeClr>
+                </a:lnRef>
+                <a:fillRef idx="1">
+                  <a:schemeClr val="accent1"/>
+                </a:fillRef>
+                <a:effectRef idx="0">
+                  <a:schemeClr val="accent1"/>
+                </a:effectRef>
+                <a:fontRef idx="minor">
+                  <a:schemeClr val="lt1"/>
+                </a:fontRef>
+              </p:style>
+              <p:txBody>
+                <a:bodyPr lIns="0" tIns="0" rIns="0" bIns="0" rtlCol="0" anchor="ctr"/>
+                <a:lstStyle/>
+                <a:p>
+                  <a:pPr algn="ctr"/>
+                  <a:r>
+                    <a:rPr lang="fr-FR" sz="1000" b="1" dirty="0" smtClean="0">
+                      <a:solidFill>
+                        <a:schemeClr val="tx1"/>
+                      </a:solidFill>
+                    </a:rPr>
+                    <a:t>(1,0)</a:t>
+                  </a:r>
+                </a:p>
+              </p:txBody>
+            </p:sp>
+            <p:sp>
+              <p:nvSpPr>
+                <p:cNvPr id="39" name="Ellipse 38"/>
+                <p:cNvSpPr/>
+                <p:nvPr/>
+              </p:nvSpPr>
+              <p:spPr>
+                <a:xfrm>
+                  <a:off x="3037532" y="3971404"/>
+                  <a:ext cx="360000" cy="360000"/>
+                </a:xfrm>
+                <a:prstGeom prst="ellipse">
+                  <a:avLst/>
+                </a:prstGeom>
+                <a:solidFill>
+                  <a:schemeClr val="tx2">
+                    <a:lumMod val="20000"/>
+                    <a:lumOff val="80000"/>
+                  </a:schemeClr>
+                </a:solidFill>
+                <a:ln w="19050">
+                  <a:solidFill>
+                    <a:schemeClr val="tx2"/>
+                  </a:solidFill>
+                </a:ln>
+              </p:spPr>
+              <p:style>
+                <a:lnRef idx="2">
+                  <a:schemeClr val="accent1">
+                    <a:shade val="50000"/>
+                  </a:schemeClr>
+                </a:lnRef>
+                <a:fillRef idx="1">
+                  <a:schemeClr val="accent1"/>
+                </a:fillRef>
+                <a:effectRef idx="0">
+                  <a:schemeClr val="accent1"/>
+                </a:effectRef>
+                <a:fontRef idx="minor">
+                  <a:schemeClr val="lt1"/>
+                </a:fontRef>
+              </p:style>
+              <p:txBody>
+                <a:bodyPr lIns="0" tIns="0" rIns="0" bIns="0" rtlCol="0" anchor="ctr"/>
+                <a:lstStyle/>
+                <a:p>
+                  <a:pPr algn="ctr"/>
+                  <a:r>
+                    <a:rPr lang="fr-FR" sz="1000" b="1" dirty="0" smtClean="0">
+                      <a:solidFill>
+                        <a:schemeClr val="tx1"/>
+                      </a:solidFill>
+                    </a:rPr>
+                    <a:t>(1,1)</a:t>
+                  </a:r>
+                </a:p>
+              </p:txBody>
+            </p:sp>
+          </p:grpSp>
+        </p:grpSp>
+      </p:grpSp>
     </p:spTree>
     <p:extLst>
       <p:ext uri="{BB962C8B-B14F-4D97-AF65-F5344CB8AC3E}">
         <p14:creationId xmlns:p14="http://schemas.microsoft.com/office/powerpoint/2010/main" val="2607648255"/>
+      </p:ext>
+    </p:extLst>
+  </p:cSld>
+  <p:clrMapOvr>
+    <a:masterClrMapping/>
+  </p:clrMapOvr>
+</p:sld>
+</file>
+
+<file path=ppt/slides/slide2.xml><?xml version="1.0" encoding="utf-8"?>
+<p:sld xmlns:a="http://schemas.openxmlformats.org/drawingml/2006/main" xmlns:r="http://schemas.openxmlformats.org/officeDocument/2006/relationships" xmlns:p="http://schemas.openxmlformats.org/presentationml/2006/main">
+  <p:cSld>
+    <p:spTree>
+      <p:nvGrpSpPr>
+        <p:cNvPr id="1" name=""/>
+        <p:cNvGrpSpPr/>
+        <p:nvPr/>
+      </p:nvGrpSpPr>
+      <p:grpSpPr>
+        <a:xfrm>
+          <a:off x="0" y="0"/>
+          <a:ext cx="0" cy="0"/>
+          <a:chOff x="0" y="0"/>
+          <a:chExt cx="0" cy="0"/>
+        </a:xfrm>
+      </p:grpSpPr>
+      <p:grpSp>
+        <p:nvGrpSpPr>
+          <p:cNvPr id="26" name="Groupe 25"/>
+          <p:cNvGrpSpPr/>
+          <p:nvPr/>
+        </p:nvGrpSpPr>
+        <p:grpSpPr>
+          <a:xfrm>
+            <a:off x="2313992" y="3250152"/>
+            <a:ext cx="1081952" cy="1081252"/>
+            <a:chOff x="2313992" y="3250152"/>
+            <a:chExt cx="1081952" cy="1081252"/>
+          </a:xfrm>
+        </p:grpSpPr>
+        <p:cxnSp>
+          <p:nvCxnSpPr>
+            <p:cNvPr id="65" name="Connecteur droit 64"/>
+            <p:cNvCxnSpPr>
+              <a:stCxn id="11" idx="6"/>
+              <a:endCxn id="13" idx="2"/>
+            </p:cNvCxnSpPr>
+            <p:nvPr/>
+          </p:nvCxnSpPr>
+          <p:spPr>
+            <a:xfrm>
+              <a:off x="2673992" y="3430152"/>
+              <a:ext cx="361952" cy="0"/>
+            </a:xfrm>
+            <a:prstGeom prst="line">
+              <a:avLst/>
+            </a:prstGeom>
+            <a:solidFill>
+              <a:schemeClr val="tx2">
+                <a:lumMod val="20000"/>
+                <a:lumOff val="80000"/>
+              </a:schemeClr>
+            </a:solidFill>
+            <a:ln w="19050">
+              <a:solidFill>
+                <a:schemeClr val="tx2"/>
+              </a:solidFill>
+            </a:ln>
+          </p:spPr>
+          <p:style>
+            <a:lnRef idx="2">
+              <a:schemeClr val="accent1">
+                <a:shade val="50000"/>
+              </a:schemeClr>
+            </a:lnRef>
+            <a:fillRef idx="1">
+              <a:schemeClr val="accent1"/>
+            </a:fillRef>
+            <a:effectRef idx="0">
+              <a:schemeClr val="accent1"/>
+            </a:effectRef>
+            <a:fontRef idx="minor">
+              <a:schemeClr val="lt1"/>
+            </a:fontRef>
+          </p:style>
+        </p:cxnSp>
+        <p:cxnSp>
+          <p:nvCxnSpPr>
+            <p:cNvPr id="66" name="Connecteur droit 65"/>
+            <p:cNvCxnSpPr>
+              <a:stCxn id="4" idx="6"/>
+              <a:endCxn id="6" idx="2"/>
+            </p:cNvCxnSpPr>
+            <p:nvPr/>
+          </p:nvCxnSpPr>
+          <p:spPr>
+            <a:xfrm>
+              <a:off x="2673992" y="4151404"/>
+              <a:ext cx="361952" cy="0"/>
+            </a:xfrm>
+            <a:prstGeom prst="line">
+              <a:avLst/>
+            </a:prstGeom>
+            <a:solidFill>
+              <a:schemeClr val="tx2">
+                <a:lumMod val="20000"/>
+                <a:lumOff val="80000"/>
+              </a:schemeClr>
+            </a:solidFill>
+            <a:ln w="19050">
+              <a:solidFill>
+                <a:schemeClr val="tx2"/>
+              </a:solidFill>
+            </a:ln>
+          </p:spPr>
+          <p:style>
+            <a:lnRef idx="2">
+              <a:schemeClr val="accent1">
+                <a:shade val="50000"/>
+              </a:schemeClr>
+            </a:lnRef>
+            <a:fillRef idx="1">
+              <a:schemeClr val="accent1"/>
+            </a:fillRef>
+            <a:effectRef idx="0">
+              <a:schemeClr val="accent1"/>
+            </a:effectRef>
+            <a:fontRef idx="minor">
+              <a:schemeClr val="lt1"/>
+            </a:fontRef>
+          </p:style>
+        </p:cxnSp>
+        <p:cxnSp>
+          <p:nvCxnSpPr>
+            <p:cNvPr id="71" name="Connecteur droit 70"/>
+            <p:cNvCxnSpPr>
+              <a:stCxn id="4" idx="0"/>
+              <a:endCxn id="11" idx="4"/>
+            </p:cNvCxnSpPr>
+            <p:nvPr/>
+          </p:nvCxnSpPr>
+          <p:spPr>
+            <a:xfrm flipV="1">
+              <a:off x="2493992" y="3610152"/>
+              <a:ext cx="0" cy="361252"/>
+            </a:xfrm>
+            <a:prstGeom prst="line">
+              <a:avLst/>
+            </a:prstGeom>
+            <a:solidFill>
+              <a:schemeClr val="tx2">
+                <a:lumMod val="20000"/>
+                <a:lumOff val="80000"/>
+              </a:schemeClr>
+            </a:solidFill>
+            <a:ln w="19050">
+              <a:solidFill>
+                <a:schemeClr val="tx2"/>
+              </a:solidFill>
+            </a:ln>
+          </p:spPr>
+          <p:style>
+            <a:lnRef idx="2">
+              <a:schemeClr val="accent1">
+                <a:shade val="50000"/>
+              </a:schemeClr>
+            </a:lnRef>
+            <a:fillRef idx="1">
+              <a:schemeClr val="accent1"/>
+            </a:fillRef>
+            <a:effectRef idx="0">
+              <a:schemeClr val="accent1"/>
+            </a:effectRef>
+            <a:fontRef idx="minor">
+              <a:schemeClr val="lt1"/>
+            </a:fontRef>
+          </p:style>
+        </p:cxnSp>
+        <p:cxnSp>
+          <p:nvCxnSpPr>
+            <p:cNvPr id="74" name="Connecteur droit 73"/>
+            <p:cNvCxnSpPr>
+              <a:stCxn id="6" idx="0"/>
+              <a:endCxn id="13" idx="4"/>
+            </p:cNvCxnSpPr>
+            <p:nvPr/>
+          </p:nvCxnSpPr>
+          <p:spPr>
+            <a:xfrm flipV="1">
+              <a:off x="3215944" y="3610152"/>
+              <a:ext cx="0" cy="361252"/>
+            </a:xfrm>
+            <a:prstGeom prst="line">
+              <a:avLst/>
+            </a:prstGeom>
+            <a:solidFill>
+              <a:schemeClr val="tx2">
+                <a:lumMod val="20000"/>
+                <a:lumOff val="80000"/>
+              </a:schemeClr>
+            </a:solidFill>
+            <a:ln w="19050">
+              <a:solidFill>
+                <a:schemeClr val="tx2"/>
+              </a:solidFill>
+            </a:ln>
+          </p:spPr>
+          <p:style>
+            <a:lnRef idx="2">
+              <a:schemeClr val="accent1">
+                <a:shade val="50000"/>
+              </a:schemeClr>
+            </a:lnRef>
+            <a:fillRef idx="1">
+              <a:schemeClr val="accent1"/>
+            </a:fillRef>
+            <a:effectRef idx="0">
+              <a:schemeClr val="accent1"/>
+            </a:effectRef>
+            <a:fontRef idx="minor">
+              <a:schemeClr val="lt1"/>
+            </a:fontRef>
+          </p:style>
+        </p:cxnSp>
+        <p:grpSp>
+          <p:nvGrpSpPr>
+            <p:cNvPr id="22" name="Groupe 21"/>
+            <p:cNvGrpSpPr/>
+            <p:nvPr/>
+          </p:nvGrpSpPr>
+          <p:grpSpPr>
+            <a:xfrm>
+              <a:off x="2313992" y="3250152"/>
+              <a:ext cx="1081952" cy="1081252"/>
+              <a:chOff x="2313992" y="3250152"/>
+              <a:chExt cx="1081952" cy="1081252"/>
+            </a:xfrm>
+          </p:grpSpPr>
+          <p:grpSp>
+            <p:nvGrpSpPr>
+              <p:cNvPr id="9" name="Groupe 8"/>
+              <p:cNvGrpSpPr/>
+              <p:nvPr/>
+            </p:nvGrpSpPr>
+            <p:grpSpPr>
+              <a:xfrm>
+                <a:off x="2313992" y="3971404"/>
+                <a:ext cx="1081952" cy="360000"/>
+                <a:chOff x="2315580" y="3971404"/>
+                <a:chExt cx="1081952" cy="360000"/>
+              </a:xfrm>
+            </p:grpSpPr>
+            <p:sp>
+              <p:nvSpPr>
+                <p:cNvPr id="4" name="Ellipse 3"/>
+                <p:cNvSpPr/>
+                <p:nvPr/>
+              </p:nvSpPr>
+              <p:spPr>
+                <a:xfrm>
+                  <a:off x="2315580" y="3971404"/>
+                  <a:ext cx="360000" cy="360000"/>
+                </a:xfrm>
+                <a:prstGeom prst="ellipse">
+                  <a:avLst/>
+                </a:prstGeom>
+                <a:solidFill>
+                  <a:schemeClr val="tx2">
+                    <a:lumMod val="20000"/>
+                    <a:lumOff val="80000"/>
+                  </a:schemeClr>
+                </a:solidFill>
+                <a:ln w="19050">
+                  <a:solidFill>
+                    <a:schemeClr val="tx2"/>
+                  </a:solidFill>
+                </a:ln>
+              </p:spPr>
+              <p:style>
+                <a:lnRef idx="2">
+                  <a:schemeClr val="accent1">
+                    <a:shade val="50000"/>
+                  </a:schemeClr>
+                </a:lnRef>
+                <a:fillRef idx="1">
+                  <a:schemeClr val="accent1"/>
+                </a:fillRef>
+                <a:effectRef idx="0">
+                  <a:schemeClr val="accent1"/>
+                </a:effectRef>
+                <a:fontRef idx="minor">
+                  <a:schemeClr val="lt1"/>
+                </a:fontRef>
+              </p:style>
+              <p:txBody>
+                <a:bodyPr lIns="0" tIns="0" rIns="0" bIns="0" rtlCol="0" anchor="ctr"/>
+                <a:lstStyle/>
+                <a:p>
+                  <a:pPr algn="ctr"/>
+                  <a:r>
+                    <a:rPr lang="fr-FR" sz="1000" b="1" dirty="0" smtClean="0">
+                      <a:solidFill>
+                        <a:schemeClr val="tx1"/>
+                      </a:solidFill>
+                    </a:rPr>
+                    <a:t>(0,0)</a:t>
+                  </a:r>
+                </a:p>
+              </p:txBody>
+            </p:sp>
+            <p:sp>
+              <p:nvSpPr>
+                <p:cNvPr id="6" name="Ellipse 5"/>
+                <p:cNvSpPr/>
+                <p:nvPr/>
+              </p:nvSpPr>
+              <p:spPr>
+                <a:xfrm>
+                  <a:off x="3037532" y="3971404"/>
+                  <a:ext cx="360000" cy="360000"/>
+                </a:xfrm>
+                <a:prstGeom prst="ellipse">
+                  <a:avLst/>
+                </a:prstGeom>
+                <a:solidFill>
+                  <a:schemeClr val="tx2">
+                    <a:lumMod val="20000"/>
+                    <a:lumOff val="80000"/>
+                  </a:schemeClr>
+                </a:solidFill>
+                <a:ln w="19050">
+                  <a:solidFill>
+                    <a:schemeClr val="tx2"/>
+                  </a:solidFill>
+                </a:ln>
+              </p:spPr>
+              <p:style>
+                <a:lnRef idx="2">
+                  <a:schemeClr val="accent1">
+                    <a:shade val="50000"/>
+                  </a:schemeClr>
+                </a:lnRef>
+                <a:fillRef idx="1">
+                  <a:schemeClr val="accent1"/>
+                </a:fillRef>
+                <a:effectRef idx="0">
+                  <a:schemeClr val="accent1"/>
+                </a:effectRef>
+                <a:fontRef idx="minor">
+                  <a:schemeClr val="lt1"/>
+                </a:fontRef>
+              </p:style>
+              <p:txBody>
+                <a:bodyPr lIns="0" tIns="0" rIns="0" bIns="0" rtlCol="0" anchor="ctr"/>
+                <a:lstStyle/>
+                <a:p>
+                  <a:pPr algn="ctr"/>
+                  <a:r>
+                    <a:rPr lang="fr-FR" sz="1000" b="1" dirty="0" smtClean="0">
+                      <a:solidFill>
+                        <a:schemeClr val="tx1"/>
+                      </a:solidFill>
+                    </a:rPr>
+                    <a:t>(0,1)</a:t>
+                  </a:r>
+                </a:p>
+              </p:txBody>
+            </p:sp>
+          </p:grpSp>
+          <p:grpSp>
+            <p:nvGrpSpPr>
+              <p:cNvPr id="10" name="Groupe 9"/>
+              <p:cNvGrpSpPr/>
+              <p:nvPr/>
+            </p:nvGrpSpPr>
+            <p:grpSpPr>
+              <a:xfrm>
+                <a:off x="2313992" y="3250152"/>
+                <a:ext cx="1081952" cy="360000"/>
+                <a:chOff x="2315580" y="3971404"/>
+                <a:chExt cx="1081952" cy="360000"/>
+              </a:xfrm>
+            </p:grpSpPr>
+            <p:sp>
+              <p:nvSpPr>
+                <p:cNvPr id="11" name="Ellipse 10"/>
+                <p:cNvSpPr/>
+                <p:nvPr/>
+              </p:nvSpPr>
+              <p:spPr>
+                <a:xfrm>
+                  <a:off x="2315580" y="3971404"/>
+                  <a:ext cx="360000" cy="360000"/>
+                </a:xfrm>
+                <a:prstGeom prst="ellipse">
+                  <a:avLst/>
+                </a:prstGeom>
+                <a:solidFill>
+                  <a:schemeClr val="tx2">
+                    <a:lumMod val="20000"/>
+                    <a:lumOff val="80000"/>
+                  </a:schemeClr>
+                </a:solidFill>
+                <a:ln w="19050">
+                  <a:solidFill>
+                    <a:schemeClr val="tx2"/>
+                  </a:solidFill>
+                </a:ln>
+              </p:spPr>
+              <p:style>
+                <a:lnRef idx="2">
+                  <a:schemeClr val="accent1">
+                    <a:shade val="50000"/>
+                  </a:schemeClr>
+                </a:lnRef>
+                <a:fillRef idx="1">
+                  <a:schemeClr val="accent1"/>
+                </a:fillRef>
+                <a:effectRef idx="0">
+                  <a:schemeClr val="accent1"/>
+                </a:effectRef>
+                <a:fontRef idx="minor">
+                  <a:schemeClr val="lt1"/>
+                </a:fontRef>
+              </p:style>
+              <p:txBody>
+                <a:bodyPr lIns="0" tIns="0" rIns="0" bIns="0" rtlCol="0" anchor="ctr"/>
+                <a:lstStyle/>
+                <a:p>
+                  <a:pPr algn="ctr"/>
+                  <a:r>
+                    <a:rPr lang="fr-FR" sz="1000" b="1" dirty="0" smtClean="0">
+                      <a:solidFill>
+                        <a:schemeClr val="tx1"/>
+                      </a:solidFill>
+                    </a:rPr>
+                    <a:t>(1,0)</a:t>
+                  </a:r>
+                </a:p>
+              </p:txBody>
+            </p:sp>
+            <p:sp>
+              <p:nvSpPr>
+                <p:cNvPr id="13" name="Ellipse 12"/>
+                <p:cNvSpPr/>
+                <p:nvPr/>
+              </p:nvSpPr>
+              <p:spPr>
+                <a:xfrm>
+                  <a:off x="3037532" y="3971404"/>
+                  <a:ext cx="360000" cy="360000"/>
+                </a:xfrm>
+                <a:prstGeom prst="ellipse">
+                  <a:avLst/>
+                </a:prstGeom>
+                <a:solidFill>
+                  <a:schemeClr val="tx2">
+                    <a:lumMod val="20000"/>
+                    <a:lumOff val="80000"/>
+                  </a:schemeClr>
+                </a:solidFill>
+                <a:ln w="19050">
+                  <a:solidFill>
+                    <a:schemeClr val="tx2"/>
+                  </a:solidFill>
+                </a:ln>
+              </p:spPr>
+              <p:style>
+                <a:lnRef idx="2">
+                  <a:schemeClr val="accent1">
+                    <a:shade val="50000"/>
+                  </a:schemeClr>
+                </a:lnRef>
+                <a:fillRef idx="1">
+                  <a:schemeClr val="accent1"/>
+                </a:fillRef>
+                <a:effectRef idx="0">
+                  <a:schemeClr val="accent1"/>
+                </a:effectRef>
+                <a:fontRef idx="minor">
+                  <a:schemeClr val="lt1"/>
+                </a:fontRef>
+              </p:style>
+              <p:txBody>
+                <a:bodyPr lIns="0" tIns="0" rIns="0" bIns="0" rtlCol="0" anchor="ctr"/>
+                <a:lstStyle/>
+                <a:p>
+                  <a:pPr algn="ctr"/>
+                  <a:r>
+                    <a:rPr lang="fr-FR" sz="1000" b="1" dirty="0" smtClean="0">
+                      <a:solidFill>
+                        <a:schemeClr val="tx1"/>
+                      </a:solidFill>
+                    </a:rPr>
+                    <a:t>(1,1)</a:t>
+                  </a:r>
+                </a:p>
+              </p:txBody>
+            </p:sp>
+          </p:grpSp>
+        </p:grpSp>
+      </p:grpSp>
+    </p:spTree>
+    <p:extLst>
+      <p:ext uri="{BB962C8B-B14F-4D97-AF65-F5344CB8AC3E}">
+        <p14:creationId xmlns:p14="http://schemas.microsoft.com/office/powerpoint/2010/main" val="2979618463"/>
       </p:ext>
     </p:extLst>
   </p:cSld>

--- a/Exercices/S2_08_ParcoursGraphe/05_Labyrinthe/05_Labyrinthe.pptx
+++ b/Exercices/S2_08_ParcoursGraphe/05_Labyrinthe/05_Labyrinthe.pptx
@@ -6,7 +6,8 @@
   </p:sldMasterIdLst>
   <p:sldIdLst>
     <p:sldId id="256" r:id="rId2"/>
-    <p:sldId id="257" r:id="rId3"/>
+    <p:sldId id="258" r:id="rId3"/>
+    <p:sldId id="257" r:id="rId4"/>
   </p:sldIdLst>
   <p:sldSz cx="12192000" cy="6858000"/>
   <p:notesSz cx="6858000" cy="9144000"/>
@@ -155,10 +156,9 @@
           </a:lstStyle>
           <a:p>
             <a:r>
-              <a:rPr lang="fr-FR" smtClean="0"/>
+              <a:rPr lang="fr-FR"/>
               <a:t>Modifiez le style du titre</a:t>
             </a:r>
-            <a:endParaRPr lang="fr-FR"/>
           </a:p>
         </p:txBody>
       </p:sp>
@@ -220,10 +220,9 @@
           </a:lstStyle>
           <a:p>
             <a:r>
-              <a:rPr lang="fr-FR" smtClean="0"/>
+              <a:rPr lang="fr-FR"/>
               <a:t>Modifier le style des sous-titres du masque</a:t>
             </a:r>
-            <a:endParaRPr lang="fr-FR"/>
           </a:p>
         </p:txBody>
       </p:sp>
@@ -244,7 +243,7 @@
           <a:p>
             <a:fld id="{6A68801D-AEE6-489E-9C8E-73DFB7269229}" type="datetimeFigureOut">
               <a:rPr lang="fr-FR" smtClean="0"/>
-              <a:t>26/04/2023</a:t>
+              <a:t>29/04/2023</a:t>
             </a:fld>
             <a:endParaRPr lang="fr-FR"/>
           </a:p>
@@ -338,10 +337,9 @@
           <a:lstStyle/>
           <a:p>
             <a:r>
-              <a:rPr lang="fr-FR" smtClean="0"/>
+              <a:rPr lang="fr-FR"/>
               <a:t>Modifiez le style du titre</a:t>
             </a:r>
-            <a:endParaRPr lang="fr-FR"/>
           </a:p>
         </p:txBody>
       </p:sp>
@@ -362,38 +360,37 @@
           <a:p>
             <a:pPr lvl="0"/>
             <a:r>
-              <a:rPr lang="fr-FR" smtClean="0"/>
+              <a:rPr lang="fr-FR"/>
               <a:t>Modifier les styles du texte du masque</a:t>
             </a:r>
           </a:p>
           <a:p>
             <a:pPr lvl="1"/>
             <a:r>
-              <a:rPr lang="fr-FR" smtClean="0"/>
+              <a:rPr lang="fr-FR"/>
               <a:t>Deuxième niveau</a:t>
             </a:r>
           </a:p>
           <a:p>
             <a:pPr lvl="2"/>
             <a:r>
-              <a:rPr lang="fr-FR" smtClean="0"/>
+              <a:rPr lang="fr-FR"/>
               <a:t>Troisième niveau</a:t>
             </a:r>
           </a:p>
           <a:p>
             <a:pPr lvl="3"/>
             <a:r>
-              <a:rPr lang="fr-FR" smtClean="0"/>
+              <a:rPr lang="fr-FR"/>
               <a:t>Quatrième niveau</a:t>
             </a:r>
           </a:p>
           <a:p>
             <a:pPr lvl="4"/>
             <a:r>
-              <a:rPr lang="fr-FR" smtClean="0"/>
+              <a:rPr lang="fr-FR"/>
               <a:t>Cinquième niveau</a:t>
             </a:r>
-            <a:endParaRPr lang="fr-FR"/>
           </a:p>
         </p:txBody>
       </p:sp>
@@ -414,7 +411,7 @@
           <a:p>
             <a:fld id="{6A68801D-AEE6-489E-9C8E-73DFB7269229}" type="datetimeFigureOut">
               <a:rPr lang="fr-FR" smtClean="0"/>
-              <a:t>26/04/2023</a:t>
+              <a:t>29/04/2023</a:t>
             </a:fld>
             <a:endParaRPr lang="fr-FR"/>
           </a:p>
@@ -513,10 +510,9 @@
           <a:lstStyle/>
           <a:p>
             <a:r>
-              <a:rPr lang="fr-FR" smtClean="0"/>
+              <a:rPr lang="fr-FR"/>
               <a:t>Modifiez le style du titre</a:t>
             </a:r>
-            <a:endParaRPr lang="fr-FR"/>
           </a:p>
         </p:txBody>
       </p:sp>
@@ -542,38 +538,37 @@
           <a:p>
             <a:pPr lvl="0"/>
             <a:r>
-              <a:rPr lang="fr-FR" smtClean="0"/>
+              <a:rPr lang="fr-FR"/>
               <a:t>Modifier les styles du texte du masque</a:t>
             </a:r>
           </a:p>
           <a:p>
             <a:pPr lvl="1"/>
             <a:r>
-              <a:rPr lang="fr-FR" smtClean="0"/>
+              <a:rPr lang="fr-FR"/>
               <a:t>Deuxième niveau</a:t>
             </a:r>
           </a:p>
           <a:p>
             <a:pPr lvl="2"/>
             <a:r>
-              <a:rPr lang="fr-FR" smtClean="0"/>
+              <a:rPr lang="fr-FR"/>
               <a:t>Troisième niveau</a:t>
             </a:r>
           </a:p>
           <a:p>
             <a:pPr lvl="3"/>
             <a:r>
-              <a:rPr lang="fr-FR" smtClean="0"/>
+              <a:rPr lang="fr-FR"/>
               <a:t>Quatrième niveau</a:t>
             </a:r>
           </a:p>
           <a:p>
             <a:pPr lvl="4"/>
             <a:r>
-              <a:rPr lang="fr-FR" smtClean="0"/>
+              <a:rPr lang="fr-FR"/>
               <a:t>Cinquième niveau</a:t>
             </a:r>
-            <a:endParaRPr lang="fr-FR"/>
           </a:p>
         </p:txBody>
       </p:sp>
@@ -594,7 +589,7 @@
           <a:p>
             <a:fld id="{6A68801D-AEE6-489E-9C8E-73DFB7269229}" type="datetimeFigureOut">
               <a:rPr lang="fr-FR" smtClean="0"/>
-              <a:t>26/04/2023</a:t>
+              <a:t>29/04/2023</a:t>
             </a:fld>
             <a:endParaRPr lang="fr-FR"/>
           </a:p>
@@ -688,10 +683,9 @@
           <a:lstStyle/>
           <a:p>
             <a:r>
-              <a:rPr lang="fr-FR" smtClean="0"/>
+              <a:rPr lang="fr-FR"/>
               <a:t>Modifiez le style du titre</a:t>
             </a:r>
-            <a:endParaRPr lang="fr-FR"/>
           </a:p>
         </p:txBody>
       </p:sp>
@@ -712,38 +706,37 @@
           <a:p>
             <a:pPr lvl="0"/>
             <a:r>
-              <a:rPr lang="fr-FR" smtClean="0"/>
+              <a:rPr lang="fr-FR"/>
               <a:t>Modifier les styles du texte du masque</a:t>
             </a:r>
           </a:p>
           <a:p>
             <a:pPr lvl="1"/>
             <a:r>
-              <a:rPr lang="fr-FR" smtClean="0"/>
+              <a:rPr lang="fr-FR"/>
               <a:t>Deuxième niveau</a:t>
             </a:r>
           </a:p>
           <a:p>
             <a:pPr lvl="2"/>
             <a:r>
-              <a:rPr lang="fr-FR" smtClean="0"/>
+              <a:rPr lang="fr-FR"/>
               <a:t>Troisième niveau</a:t>
             </a:r>
           </a:p>
           <a:p>
             <a:pPr lvl="3"/>
             <a:r>
-              <a:rPr lang="fr-FR" smtClean="0"/>
+              <a:rPr lang="fr-FR"/>
               <a:t>Quatrième niveau</a:t>
             </a:r>
           </a:p>
           <a:p>
             <a:pPr lvl="4"/>
             <a:r>
-              <a:rPr lang="fr-FR" smtClean="0"/>
+              <a:rPr lang="fr-FR"/>
               <a:t>Cinquième niveau</a:t>
             </a:r>
-            <a:endParaRPr lang="fr-FR"/>
           </a:p>
         </p:txBody>
       </p:sp>
@@ -764,7 +757,7 @@
           <a:p>
             <a:fld id="{6A68801D-AEE6-489E-9C8E-73DFB7269229}" type="datetimeFigureOut">
               <a:rPr lang="fr-FR" smtClean="0"/>
-              <a:t>26/04/2023</a:t>
+              <a:t>29/04/2023</a:t>
             </a:fld>
             <a:endParaRPr lang="fr-FR"/>
           </a:p>
@@ -867,10 +860,9 @@
           </a:lstStyle>
           <a:p>
             <a:r>
-              <a:rPr lang="fr-FR" smtClean="0"/>
+              <a:rPr lang="fr-FR"/>
               <a:t>Modifiez le style du titre</a:t>
             </a:r>
-            <a:endParaRPr lang="fr-FR"/>
           </a:p>
         </p:txBody>
       </p:sp>
@@ -987,7 +979,7 @@
           <a:p>
             <a:pPr lvl="0"/>
             <a:r>
-              <a:rPr lang="fr-FR" smtClean="0"/>
+              <a:rPr lang="fr-FR"/>
               <a:t>Modifier les styles du texte du masque</a:t>
             </a:r>
           </a:p>
@@ -1010,7 +1002,7 @@
           <a:p>
             <a:fld id="{6A68801D-AEE6-489E-9C8E-73DFB7269229}" type="datetimeFigureOut">
               <a:rPr lang="fr-FR" smtClean="0"/>
-              <a:t>26/04/2023</a:t>
+              <a:t>29/04/2023</a:t>
             </a:fld>
             <a:endParaRPr lang="fr-FR"/>
           </a:p>
@@ -1104,10 +1096,9 @@
           <a:lstStyle/>
           <a:p>
             <a:r>
-              <a:rPr lang="fr-FR" smtClean="0"/>
+              <a:rPr lang="fr-FR"/>
               <a:t>Modifiez le style du titre</a:t>
             </a:r>
-            <a:endParaRPr lang="fr-FR"/>
           </a:p>
         </p:txBody>
       </p:sp>
@@ -1133,38 +1124,37 @@
           <a:p>
             <a:pPr lvl="0"/>
             <a:r>
-              <a:rPr lang="fr-FR" smtClean="0"/>
+              <a:rPr lang="fr-FR"/>
               <a:t>Modifier les styles du texte du masque</a:t>
             </a:r>
           </a:p>
           <a:p>
             <a:pPr lvl="1"/>
             <a:r>
-              <a:rPr lang="fr-FR" smtClean="0"/>
+              <a:rPr lang="fr-FR"/>
               <a:t>Deuxième niveau</a:t>
             </a:r>
           </a:p>
           <a:p>
             <a:pPr lvl="2"/>
             <a:r>
-              <a:rPr lang="fr-FR" smtClean="0"/>
+              <a:rPr lang="fr-FR"/>
               <a:t>Troisième niveau</a:t>
             </a:r>
           </a:p>
           <a:p>
             <a:pPr lvl="3"/>
             <a:r>
-              <a:rPr lang="fr-FR" smtClean="0"/>
+              <a:rPr lang="fr-FR"/>
               <a:t>Quatrième niveau</a:t>
             </a:r>
           </a:p>
           <a:p>
             <a:pPr lvl="4"/>
             <a:r>
-              <a:rPr lang="fr-FR" smtClean="0"/>
+              <a:rPr lang="fr-FR"/>
               <a:t>Cinquième niveau</a:t>
             </a:r>
-            <a:endParaRPr lang="fr-FR"/>
           </a:p>
         </p:txBody>
       </p:sp>
@@ -1190,38 +1180,37 @@
           <a:p>
             <a:pPr lvl="0"/>
             <a:r>
-              <a:rPr lang="fr-FR" smtClean="0"/>
+              <a:rPr lang="fr-FR"/>
               <a:t>Modifier les styles du texte du masque</a:t>
             </a:r>
           </a:p>
           <a:p>
             <a:pPr lvl="1"/>
             <a:r>
-              <a:rPr lang="fr-FR" smtClean="0"/>
+              <a:rPr lang="fr-FR"/>
               <a:t>Deuxième niveau</a:t>
             </a:r>
           </a:p>
           <a:p>
             <a:pPr lvl="2"/>
             <a:r>
-              <a:rPr lang="fr-FR" smtClean="0"/>
+              <a:rPr lang="fr-FR"/>
               <a:t>Troisième niveau</a:t>
             </a:r>
           </a:p>
           <a:p>
             <a:pPr lvl="3"/>
             <a:r>
-              <a:rPr lang="fr-FR" smtClean="0"/>
+              <a:rPr lang="fr-FR"/>
               <a:t>Quatrième niveau</a:t>
             </a:r>
           </a:p>
           <a:p>
             <a:pPr lvl="4"/>
             <a:r>
-              <a:rPr lang="fr-FR" smtClean="0"/>
+              <a:rPr lang="fr-FR"/>
               <a:t>Cinquième niveau</a:t>
             </a:r>
-            <a:endParaRPr lang="fr-FR"/>
           </a:p>
         </p:txBody>
       </p:sp>
@@ -1242,7 +1231,7 @@
           <a:p>
             <a:fld id="{6A68801D-AEE6-489E-9C8E-73DFB7269229}" type="datetimeFigureOut">
               <a:rPr lang="fr-FR" smtClean="0"/>
-              <a:t>26/04/2023</a:t>
+              <a:t>29/04/2023</a:t>
             </a:fld>
             <a:endParaRPr lang="fr-FR"/>
           </a:p>
@@ -1341,10 +1330,9 @@
           <a:lstStyle/>
           <a:p>
             <a:r>
-              <a:rPr lang="fr-FR" smtClean="0"/>
+              <a:rPr lang="fr-FR"/>
               <a:t>Modifiez le style du titre</a:t>
             </a:r>
-            <a:endParaRPr lang="fr-FR"/>
           </a:p>
         </p:txBody>
       </p:sp>
@@ -1407,7 +1395,7 @@
           <a:p>
             <a:pPr lvl="0"/>
             <a:r>
-              <a:rPr lang="fr-FR" smtClean="0"/>
+              <a:rPr lang="fr-FR"/>
               <a:t>Modifier les styles du texte du masque</a:t>
             </a:r>
           </a:p>
@@ -1435,38 +1423,37 @@
           <a:p>
             <a:pPr lvl="0"/>
             <a:r>
-              <a:rPr lang="fr-FR" smtClean="0"/>
+              <a:rPr lang="fr-FR"/>
               <a:t>Modifier les styles du texte du masque</a:t>
             </a:r>
           </a:p>
           <a:p>
             <a:pPr lvl="1"/>
             <a:r>
-              <a:rPr lang="fr-FR" smtClean="0"/>
+              <a:rPr lang="fr-FR"/>
               <a:t>Deuxième niveau</a:t>
             </a:r>
           </a:p>
           <a:p>
             <a:pPr lvl="2"/>
             <a:r>
-              <a:rPr lang="fr-FR" smtClean="0"/>
+              <a:rPr lang="fr-FR"/>
               <a:t>Troisième niveau</a:t>
             </a:r>
           </a:p>
           <a:p>
             <a:pPr lvl="3"/>
             <a:r>
-              <a:rPr lang="fr-FR" smtClean="0"/>
+              <a:rPr lang="fr-FR"/>
               <a:t>Quatrième niveau</a:t>
             </a:r>
           </a:p>
           <a:p>
             <a:pPr lvl="4"/>
             <a:r>
-              <a:rPr lang="fr-FR" smtClean="0"/>
+              <a:rPr lang="fr-FR"/>
               <a:t>Cinquième niveau</a:t>
             </a:r>
-            <a:endParaRPr lang="fr-FR"/>
           </a:p>
         </p:txBody>
       </p:sp>
@@ -1529,7 +1516,7 @@
           <a:p>
             <a:pPr lvl="0"/>
             <a:r>
-              <a:rPr lang="fr-FR" smtClean="0"/>
+              <a:rPr lang="fr-FR"/>
               <a:t>Modifier les styles du texte du masque</a:t>
             </a:r>
           </a:p>
@@ -1557,38 +1544,37 @@
           <a:p>
             <a:pPr lvl="0"/>
             <a:r>
-              <a:rPr lang="fr-FR" smtClean="0"/>
+              <a:rPr lang="fr-FR"/>
               <a:t>Modifier les styles du texte du masque</a:t>
             </a:r>
           </a:p>
           <a:p>
             <a:pPr lvl="1"/>
             <a:r>
-              <a:rPr lang="fr-FR" smtClean="0"/>
+              <a:rPr lang="fr-FR"/>
               <a:t>Deuxième niveau</a:t>
             </a:r>
           </a:p>
           <a:p>
             <a:pPr lvl="2"/>
             <a:r>
-              <a:rPr lang="fr-FR" smtClean="0"/>
+              <a:rPr lang="fr-FR"/>
               <a:t>Troisième niveau</a:t>
             </a:r>
           </a:p>
           <a:p>
             <a:pPr lvl="3"/>
             <a:r>
-              <a:rPr lang="fr-FR" smtClean="0"/>
+              <a:rPr lang="fr-FR"/>
               <a:t>Quatrième niveau</a:t>
             </a:r>
           </a:p>
           <a:p>
             <a:pPr lvl="4"/>
             <a:r>
-              <a:rPr lang="fr-FR" smtClean="0"/>
+              <a:rPr lang="fr-FR"/>
               <a:t>Cinquième niveau</a:t>
             </a:r>
-            <a:endParaRPr lang="fr-FR"/>
           </a:p>
         </p:txBody>
       </p:sp>
@@ -1609,7 +1595,7 @@
           <a:p>
             <a:fld id="{6A68801D-AEE6-489E-9C8E-73DFB7269229}" type="datetimeFigureOut">
               <a:rPr lang="fr-FR" smtClean="0"/>
-              <a:t>26/04/2023</a:t>
+              <a:t>29/04/2023</a:t>
             </a:fld>
             <a:endParaRPr lang="fr-FR"/>
           </a:p>
@@ -1703,10 +1689,9 @@
           <a:lstStyle/>
           <a:p>
             <a:r>
-              <a:rPr lang="fr-FR" smtClean="0"/>
+              <a:rPr lang="fr-FR"/>
               <a:t>Modifiez le style du titre</a:t>
             </a:r>
-            <a:endParaRPr lang="fr-FR"/>
           </a:p>
         </p:txBody>
       </p:sp>
@@ -1727,7 +1712,7 @@
           <a:p>
             <a:fld id="{6A68801D-AEE6-489E-9C8E-73DFB7269229}" type="datetimeFigureOut">
               <a:rPr lang="fr-FR" smtClean="0"/>
-              <a:t>26/04/2023</a:t>
+              <a:t>29/04/2023</a:t>
             </a:fld>
             <a:endParaRPr lang="fr-FR"/>
           </a:p>
@@ -1822,7 +1807,7 @@
           <a:p>
             <a:fld id="{6A68801D-AEE6-489E-9C8E-73DFB7269229}" type="datetimeFigureOut">
               <a:rPr lang="fr-FR" smtClean="0"/>
-              <a:t>26/04/2023</a:t>
+              <a:t>29/04/2023</a:t>
             </a:fld>
             <a:endParaRPr lang="fr-FR"/>
           </a:p>
@@ -1925,10 +1910,9 @@
           </a:lstStyle>
           <a:p>
             <a:r>
-              <a:rPr lang="fr-FR" smtClean="0"/>
+              <a:rPr lang="fr-FR"/>
               <a:t>Modifiez le style du titre</a:t>
             </a:r>
-            <a:endParaRPr lang="fr-FR"/>
           </a:p>
         </p:txBody>
       </p:sp>
@@ -1982,38 +1966,37 @@
           <a:p>
             <a:pPr lvl="0"/>
             <a:r>
-              <a:rPr lang="fr-FR" smtClean="0"/>
+              <a:rPr lang="fr-FR"/>
               <a:t>Modifier les styles du texte du masque</a:t>
             </a:r>
           </a:p>
           <a:p>
             <a:pPr lvl="1"/>
             <a:r>
-              <a:rPr lang="fr-FR" smtClean="0"/>
+              <a:rPr lang="fr-FR"/>
               <a:t>Deuxième niveau</a:t>
             </a:r>
           </a:p>
           <a:p>
             <a:pPr lvl="2"/>
             <a:r>
-              <a:rPr lang="fr-FR" smtClean="0"/>
+              <a:rPr lang="fr-FR"/>
               <a:t>Troisième niveau</a:t>
             </a:r>
           </a:p>
           <a:p>
             <a:pPr lvl="3"/>
             <a:r>
-              <a:rPr lang="fr-FR" smtClean="0"/>
+              <a:rPr lang="fr-FR"/>
               <a:t>Quatrième niveau</a:t>
             </a:r>
           </a:p>
           <a:p>
             <a:pPr lvl="4"/>
             <a:r>
-              <a:rPr lang="fr-FR" smtClean="0"/>
+              <a:rPr lang="fr-FR"/>
               <a:t>Cinquième niveau</a:t>
             </a:r>
-            <a:endParaRPr lang="fr-FR"/>
           </a:p>
         </p:txBody>
       </p:sp>
@@ -2076,7 +2059,7 @@
           <a:p>
             <a:pPr lvl="0"/>
             <a:r>
-              <a:rPr lang="fr-FR" smtClean="0"/>
+              <a:rPr lang="fr-FR"/>
               <a:t>Modifier les styles du texte du masque</a:t>
             </a:r>
           </a:p>
@@ -2099,7 +2082,7 @@
           <a:p>
             <a:fld id="{6A68801D-AEE6-489E-9C8E-73DFB7269229}" type="datetimeFigureOut">
               <a:rPr lang="fr-FR" smtClean="0"/>
-              <a:t>26/04/2023</a:t>
+              <a:t>29/04/2023</a:t>
             </a:fld>
             <a:endParaRPr lang="fr-FR"/>
           </a:p>
@@ -2202,10 +2185,9 @@
           </a:lstStyle>
           <a:p>
             <a:r>
-              <a:rPr lang="fr-FR" smtClean="0"/>
+              <a:rPr lang="fr-FR"/>
               <a:t>Modifiez le style du titre</a:t>
             </a:r>
-            <a:endParaRPr lang="fr-FR"/>
           </a:p>
         </p:txBody>
       </p:sp>
@@ -2329,7 +2311,7 @@
           <a:p>
             <a:pPr lvl="0"/>
             <a:r>
-              <a:rPr lang="fr-FR" smtClean="0"/>
+              <a:rPr lang="fr-FR"/>
               <a:t>Modifier les styles du texte du masque</a:t>
             </a:r>
           </a:p>
@@ -2352,7 +2334,7 @@
           <a:p>
             <a:fld id="{6A68801D-AEE6-489E-9C8E-73DFB7269229}" type="datetimeFigureOut">
               <a:rPr lang="fr-FR" smtClean="0"/>
-              <a:t>26/04/2023</a:t>
+              <a:t>29/04/2023</a:t>
             </a:fld>
             <a:endParaRPr lang="fr-FR"/>
           </a:p>
@@ -2461,10 +2443,9 @@
           <a:lstStyle/>
           <a:p>
             <a:r>
-              <a:rPr lang="fr-FR" smtClean="0"/>
+              <a:rPr lang="fr-FR"/>
               <a:t>Modifiez le style du titre</a:t>
             </a:r>
-            <a:endParaRPr lang="fr-FR"/>
           </a:p>
         </p:txBody>
       </p:sp>
@@ -2495,38 +2476,37 @@
           <a:p>
             <a:pPr lvl="0"/>
             <a:r>
-              <a:rPr lang="fr-FR" smtClean="0"/>
+              <a:rPr lang="fr-FR"/>
               <a:t>Modifier les styles du texte du masque</a:t>
             </a:r>
           </a:p>
           <a:p>
             <a:pPr lvl="1"/>
             <a:r>
-              <a:rPr lang="fr-FR" smtClean="0"/>
+              <a:rPr lang="fr-FR"/>
               <a:t>Deuxième niveau</a:t>
             </a:r>
           </a:p>
           <a:p>
             <a:pPr lvl="2"/>
             <a:r>
-              <a:rPr lang="fr-FR" smtClean="0"/>
+              <a:rPr lang="fr-FR"/>
               <a:t>Troisième niveau</a:t>
             </a:r>
           </a:p>
           <a:p>
             <a:pPr lvl="3"/>
             <a:r>
-              <a:rPr lang="fr-FR" smtClean="0"/>
+              <a:rPr lang="fr-FR"/>
               <a:t>Quatrième niveau</a:t>
             </a:r>
           </a:p>
           <a:p>
             <a:pPr lvl="4"/>
             <a:r>
-              <a:rPr lang="fr-FR" smtClean="0"/>
+              <a:rPr lang="fr-FR"/>
               <a:t>Cinquième niveau</a:t>
             </a:r>
-            <a:endParaRPr lang="fr-FR"/>
           </a:p>
         </p:txBody>
       </p:sp>
@@ -2565,7 +2545,7 @@
           <a:p>
             <a:fld id="{6A68801D-AEE6-489E-9C8E-73DFB7269229}" type="datetimeFigureOut">
               <a:rPr lang="fr-FR" smtClean="0"/>
-              <a:t>26/04/2023</a:t>
+              <a:t>29/04/2023</a:t>
             </a:fld>
             <a:endParaRPr lang="fr-FR"/>
           </a:p>
@@ -3428,7 +3408,7 @@
                 <a:p>
                   <a:pPr algn="ctr"/>
                   <a:r>
-                    <a:rPr lang="fr-FR" sz="1000" b="1" dirty="0" smtClean="0">
+                    <a:rPr lang="fr-FR" sz="1000" b="1" dirty="0">
                       <a:solidFill>
                         <a:schemeClr val="tx1"/>
                       </a:solidFill>
@@ -3486,7 +3466,1826 @@
                 <a:p>
                   <a:pPr algn="ctr"/>
                   <a:r>
-                    <a:rPr lang="fr-FR" sz="1000" b="1" dirty="0" smtClean="0">
+                    <a:rPr lang="fr-FR" sz="1000" b="1" dirty="0">
+                      <a:solidFill>
+                        <a:schemeClr val="tx1"/>
+                      </a:solidFill>
+                    </a:rPr>
+                    <a:t>(2,0)</a:t>
+                  </a:r>
+                </a:p>
+              </p:txBody>
+            </p:sp>
+            <p:sp>
+              <p:nvSpPr>
+                <p:cNvPr id="6" name="Ellipse 5"/>
+                <p:cNvSpPr/>
+                <p:nvPr/>
+              </p:nvSpPr>
+              <p:spPr>
+                <a:xfrm>
+                  <a:off x="3037532" y="3971404"/>
+                  <a:ext cx="360000" cy="360000"/>
+                </a:xfrm>
+                <a:prstGeom prst="ellipse">
+                  <a:avLst/>
+                </a:prstGeom>
+                <a:solidFill>
+                  <a:schemeClr val="tx2">
+                    <a:lumMod val="20000"/>
+                    <a:lumOff val="80000"/>
+                  </a:schemeClr>
+                </a:solidFill>
+                <a:ln w="19050">
+                  <a:solidFill>
+                    <a:schemeClr val="tx2"/>
+                  </a:solidFill>
+                </a:ln>
+              </p:spPr>
+              <p:style>
+                <a:lnRef idx="2">
+                  <a:schemeClr val="accent1">
+                    <a:shade val="50000"/>
+                  </a:schemeClr>
+                </a:lnRef>
+                <a:fillRef idx="1">
+                  <a:schemeClr val="accent1"/>
+                </a:fillRef>
+                <a:effectRef idx="0">
+                  <a:schemeClr val="accent1"/>
+                </a:effectRef>
+                <a:fontRef idx="minor">
+                  <a:schemeClr val="lt1"/>
+                </a:fontRef>
+              </p:style>
+              <p:txBody>
+                <a:bodyPr lIns="0" tIns="0" rIns="0" bIns="0" rtlCol="0" anchor="ctr"/>
+                <a:lstStyle/>
+                <a:p>
+                  <a:pPr algn="ctr"/>
+                  <a:r>
+                    <a:rPr lang="fr-FR" sz="1000" b="1" dirty="0">
+                      <a:solidFill>
+                        <a:schemeClr val="tx1"/>
+                      </a:solidFill>
+                    </a:rPr>
+                    <a:t>(1,0)</a:t>
+                  </a:r>
+                </a:p>
+              </p:txBody>
+            </p:sp>
+            <p:sp>
+              <p:nvSpPr>
+                <p:cNvPr id="7" name="Ellipse 6"/>
+                <p:cNvSpPr/>
+                <p:nvPr/>
+              </p:nvSpPr>
+              <p:spPr>
+                <a:xfrm>
+                  <a:off x="5203386" y="3971404"/>
+                  <a:ext cx="360000" cy="360000"/>
+                </a:xfrm>
+                <a:prstGeom prst="ellipse">
+                  <a:avLst/>
+                </a:prstGeom>
+                <a:solidFill>
+                  <a:schemeClr val="tx2">
+                    <a:lumMod val="20000"/>
+                    <a:lumOff val="80000"/>
+                  </a:schemeClr>
+                </a:solidFill>
+                <a:ln w="19050">
+                  <a:solidFill>
+                    <a:schemeClr val="tx2"/>
+                  </a:solidFill>
+                </a:ln>
+              </p:spPr>
+              <p:style>
+                <a:lnRef idx="2">
+                  <a:schemeClr val="accent1">
+                    <a:shade val="50000"/>
+                  </a:schemeClr>
+                </a:lnRef>
+                <a:fillRef idx="1">
+                  <a:schemeClr val="accent1"/>
+                </a:fillRef>
+                <a:effectRef idx="0">
+                  <a:schemeClr val="accent1"/>
+                </a:effectRef>
+                <a:fontRef idx="minor">
+                  <a:schemeClr val="lt1"/>
+                </a:fontRef>
+              </p:style>
+              <p:txBody>
+                <a:bodyPr lIns="0" tIns="0" rIns="0" bIns="0" rtlCol="0" anchor="ctr"/>
+                <a:lstStyle/>
+                <a:p>
+                  <a:pPr algn="ctr"/>
+                  <a:r>
+                    <a:rPr lang="fr-FR" sz="1000" b="1" dirty="0">
+                      <a:solidFill>
+                        <a:schemeClr val="tx1"/>
+                      </a:solidFill>
+                    </a:rPr>
+                    <a:t>(4,0)</a:t>
+                  </a:r>
+                </a:p>
+              </p:txBody>
+            </p:sp>
+            <p:sp>
+              <p:nvSpPr>
+                <p:cNvPr id="8" name="Ellipse 7"/>
+                <p:cNvSpPr/>
+                <p:nvPr/>
+              </p:nvSpPr>
+              <p:spPr>
+                <a:xfrm>
+                  <a:off x="4481435" y="3971404"/>
+                  <a:ext cx="360000" cy="360000"/>
+                </a:xfrm>
+                <a:prstGeom prst="ellipse">
+                  <a:avLst/>
+                </a:prstGeom>
+                <a:solidFill>
+                  <a:schemeClr val="tx2">
+                    <a:lumMod val="20000"/>
+                    <a:lumOff val="80000"/>
+                  </a:schemeClr>
+                </a:solidFill>
+                <a:ln w="19050">
+                  <a:solidFill>
+                    <a:schemeClr val="tx2"/>
+                  </a:solidFill>
+                </a:ln>
+              </p:spPr>
+              <p:style>
+                <a:lnRef idx="2">
+                  <a:schemeClr val="accent1">
+                    <a:shade val="50000"/>
+                  </a:schemeClr>
+                </a:lnRef>
+                <a:fillRef idx="1">
+                  <a:schemeClr val="accent1"/>
+                </a:fillRef>
+                <a:effectRef idx="0">
+                  <a:schemeClr val="accent1"/>
+                </a:effectRef>
+                <a:fontRef idx="minor">
+                  <a:schemeClr val="lt1"/>
+                </a:fontRef>
+              </p:style>
+              <p:txBody>
+                <a:bodyPr lIns="0" tIns="0" rIns="0" bIns="0" rtlCol="0" anchor="ctr"/>
+                <a:lstStyle/>
+                <a:p>
+                  <a:pPr algn="ctr"/>
+                  <a:r>
+                    <a:rPr lang="fr-FR" sz="1000" b="1" dirty="0">
+                      <a:solidFill>
+                        <a:schemeClr val="tx1"/>
+                      </a:solidFill>
+                    </a:rPr>
+                    <a:t>(3,0)</a:t>
+                  </a:r>
+                </a:p>
+              </p:txBody>
+            </p:sp>
+          </p:grpSp>
+          <p:grpSp>
+            <p:nvGrpSpPr>
+              <p:cNvPr id="10" name="Groupe 9"/>
+              <p:cNvGrpSpPr/>
+              <p:nvPr/>
+            </p:nvGrpSpPr>
+            <p:grpSpPr>
+              <a:xfrm>
+                <a:off x="2313992" y="3250152"/>
+                <a:ext cx="3247806" cy="360000"/>
+                <a:chOff x="2315580" y="3971404"/>
+                <a:chExt cx="3247806" cy="360000"/>
+              </a:xfrm>
+            </p:grpSpPr>
+            <p:sp>
+              <p:nvSpPr>
+                <p:cNvPr id="11" name="Ellipse 10"/>
+                <p:cNvSpPr/>
+                <p:nvPr/>
+              </p:nvSpPr>
+              <p:spPr>
+                <a:xfrm>
+                  <a:off x="2315580" y="3971404"/>
+                  <a:ext cx="360000" cy="360000"/>
+                </a:xfrm>
+                <a:prstGeom prst="ellipse">
+                  <a:avLst/>
+                </a:prstGeom>
+                <a:solidFill>
+                  <a:schemeClr val="tx2">
+                    <a:lumMod val="20000"/>
+                    <a:lumOff val="80000"/>
+                  </a:schemeClr>
+                </a:solidFill>
+                <a:ln w="19050">
+                  <a:solidFill>
+                    <a:schemeClr val="tx2"/>
+                  </a:solidFill>
+                </a:ln>
+              </p:spPr>
+              <p:style>
+                <a:lnRef idx="2">
+                  <a:schemeClr val="accent1">
+                    <a:shade val="50000"/>
+                  </a:schemeClr>
+                </a:lnRef>
+                <a:fillRef idx="1">
+                  <a:schemeClr val="accent1"/>
+                </a:fillRef>
+                <a:effectRef idx="0">
+                  <a:schemeClr val="accent1"/>
+                </a:effectRef>
+                <a:fontRef idx="minor">
+                  <a:schemeClr val="lt1"/>
+                </a:fontRef>
+              </p:style>
+              <p:txBody>
+                <a:bodyPr lIns="0" tIns="0" rIns="0" bIns="0" rtlCol="0" anchor="ctr"/>
+                <a:lstStyle/>
+                <a:p>
+                  <a:pPr algn="ctr"/>
+                  <a:r>
+                    <a:rPr lang="fr-FR" sz="1000" b="1" dirty="0">
+                      <a:solidFill>
+                        <a:schemeClr val="tx1"/>
+                      </a:solidFill>
+                    </a:rPr>
+                    <a:t>(0,1)</a:t>
+                  </a:r>
+                </a:p>
+              </p:txBody>
+            </p:sp>
+            <p:sp>
+              <p:nvSpPr>
+                <p:cNvPr id="12" name="Ellipse 11"/>
+                <p:cNvSpPr/>
+                <p:nvPr/>
+              </p:nvSpPr>
+              <p:spPr>
+                <a:xfrm>
+                  <a:off x="3759484" y="3971404"/>
+                  <a:ext cx="360000" cy="360000"/>
+                </a:xfrm>
+                <a:prstGeom prst="ellipse">
+                  <a:avLst/>
+                </a:prstGeom>
+                <a:solidFill>
+                  <a:schemeClr val="tx2">
+                    <a:lumMod val="20000"/>
+                    <a:lumOff val="80000"/>
+                  </a:schemeClr>
+                </a:solidFill>
+                <a:ln w="19050">
+                  <a:solidFill>
+                    <a:schemeClr val="tx2"/>
+                  </a:solidFill>
+                </a:ln>
+              </p:spPr>
+              <p:style>
+                <a:lnRef idx="2">
+                  <a:schemeClr val="accent1">
+                    <a:shade val="50000"/>
+                  </a:schemeClr>
+                </a:lnRef>
+                <a:fillRef idx="1">
+                  <a:schemeClr val="accent1"/>
+                </a:fillRef>
+                <a:effectRef idx="0">
+                  <a:schemeClr val="accent1"/>
+                </a:effectRef>
+                <a:fontRef idx="minor">
+                  <a:schemeClr val="lt1"/>
+                </a:fontRef>
+              </p:style>
+              <p:txBody>
+                <a:bodyPr lIns="0" tIns="0" rIns="0" bIns="0" rtlCol="0" anchor="ctr"/>
+                <a:lstStyle/>
+                <a:p>
+                  <a:pPr algn="ctr"/>
+                  <a:r>
+                    <a:rPr lang="fr-FR" sz="1000" b="1" dirty="0">
+                      <a:solidFill>
+                        <a:schemeClr val="tx1"/>
+                      </a:solidFill>
+                    </a:rPr>
+                    <a:t>(2,1)</a:t>
+                  </a:r>
+                </a:p>
+              </p:txBody>
+            </p:sp>
+            <p:sp>
+              <p:nvSpPr>
+                <p:cNvPr id="13" name="Ellipse 12"/>
+                <p:cNvSpPr/>
+                <p:nvPr/>
+              </p:nvSpPr>
+              <p:spPr>
+                <a:xfrm>
+                  <a:off x="3037532" y="3971404"/>
+                  <a:ext cx="360000" cy="360000"/>
+                </a:xfrm>
+                <a:prstGeom prst="ellipse">
+                  <a:avLst/>
+                </a:prstGeom>
+                <a:solidFill>
+                  <a:schemeClr val="tx2">
+                    <a:lumMod val="20000"/>
+                    <a:lumOff val="80000"/>
+                  </a:schemeClr>
+                </a:solidFill>
+                <a:ln w="19050">
+                  <a:solidFill>
+                    <a:schemeClr val="tx2"/>
+                  </a:solidFill>
+                </a:ln>
+              </p:spPr>
+              <p:style>
+                <a:lnRef idx="2">
+                  <a:schemeClr val="accent1">
+                    <a:shade val="50000"/>
+                  </a:schemeClr>
+                </a:lnRef>
+                <a:fillRef idx="1">
+                  <a:schemeClr val="accent1"/>
+                </a:fillRef>
+                <a:effectRef idx="0">
+                  <a:schemeClr val="accent1"/>
+                </a:effectRef>
+                <a:fontRef idx="minor">
+                  <a:schemeClr val="lt1"/>
+                </a:fontRef>
+              </p:style>
+              <p:txBody>
+                <a:bodyPr lIns="0" tIns="0" rIns="0" bIns="0" rtlCol="0" anchor="ctr"/>
+                <a:lstStyle/>
+                <a:p>
+                  <a:pPr algn="ctr"/>
+                  <a:r>
+                    <a:rPr lang="fr-FR" sz="1000" b="1" dirty="0">
+                      <a:solidFill>
+                        <a:schemeClr val="tx1"/>
+                      </a:solidFill>
+                    </a:rPr>
+                    <a:t>(1,1)</a:t>
+                  </a:r>
+                </a:p>
+              </p:txBody>
+            </p:sp>
+            <p:sp>
+              <p:nvSpPr>
+                <p:cNvPr id="14" name="Ellipse 13"/>
+                <p:cNvSpPr/>
+                <p:nvPr/>
+              </p:nvSpPr>
+              <p:spPr>
+                <a:xfrm>
+                  <a:off x="5203386" y="3971404"/>
+                  <a:ext cx="360000" cy="360000"/>
+                </a:xfrm>
+                <a:prstGeom prst="ellipse">
+                  <a:avLst/>
+                </a:prstGeom>
+                <a:solidFill>
+                  <a:schemeClr val="tx2">
+                    <a:lumMod val="20000"/>
+                    <a:lumOff val="80000"/>
+                  </a:schemeClr>
+                </a:solidFill>
+                <a:ln w="19050">
+                  <a:solidFill>
+                    <a:schemeClr val="tx2"/>
+                  </a:solidFill>
+                </a:ln>
+              </p:spPr>
+              <p:style>
+                <a:lnRef idx="2">
+                  <a:schemeClr val="accent1">
+                    <a:shade val="50000"/>
+                  </a:schemeClr>
+                </a:lnRef>
+                <a:fillRef idx="1">
+                  <a:schemeClr val="accent1"/>
+                </a:fillRef>
+                <a:effectRef idx="0">
+                  <a:schemeClr val="accent1"/>
+                </a:effectRef>
+                <a:fontRef idx="minor">
+                  <a:schemeClr val="lt1"/>
+                </a:fontRef>
+              </p:style>
+              <p:txBody>
+                <a:bodyPr lIns="0" tIns="0" rIns="0" bIns="0" rtlCol="0" anchor="ctr"/>
+                <a:lstStyle/>
+                <a:p>
+                  <a:pPr algn="ctr"/>
+                  <a:r>
+                    <a:rPr lang="fr-FR" sz="1000" b="1" dirty="0">
+                      <a:solidFill>
+                        <a:schemeClr val="tx1"/>
+                      </a:solidFill>
+                    </a:rPr>
+                    <a:t>(4,1)</a:t>
+                  </a:r>
+                </a:p>
+              </p:txBody>
+            </p:sp>
+            <p:sp>
+              <p:nvSpPr>
+                <p:cNvPr id="15" name="Ellipse 14"/>
+                <p:cNvSpPr/>
+                <p:nvPr/>
+              </p:nvSpPr>
+              <p:spPr>
+                <a:xfrm>
+                  <a:off x="4481435" y="3971404"/>
+                  <a:ext cx="360000" cy="360000"/>
+                </a:xfrm>
+                <a:prstGeom prst="ellipse">
+                  <a:avLst/>
+                </a:prstGeom>
+                <a:solidFill>
+                  <a:schemeClr val="tx2">
+                    <a:lumMod val="20000"/>
+                    <a:lumOff val="80000"/>
+                  </a:schemeClr>
+                </a:solidFill>
+                <a:ln w="19050">
+                  <a:solidFill>
+                    <a:schemeClr val="tx2"/>
+                  </a:solidFill>
+                </a:ln>
+              </p:spPr>
+              <p:style>
+                <a:lnRef idx="2">
+                  <a:schemeClr val="accent1">
+                    <a:shade val="50000"/>
+                  </a:schemeClr>
+                </a:lnRef>
+                <a:fillRef idx="1">
+                  <a:schemeClr val="accent1"/>
+                </a:fillRef>
+                <a:effectRef idx="0">
+                  <a:schemeClr val="accent1"/>
+                </a:effectRef>
+                <a:fontRef idx="minor">
+                  <a:schemeClr val="lt1"/>
+                </a:fontRef>
+              </p:style>
+              <p:txBody>
+                <a:bodyPr lIns="0" tIns="0" rIns="0" bIns="0" rtlCol="0" anchor="ctr"/>
+                <a:lstStyle/>
+                <a:p>
+                  <a:pPr algn="ctr"/>
+                  <a:r>
+                    <a:rPr lang="fr-FR" sz="1000" b="1" dirty="0">
+                      <a:solidFill>
+                        <a:schemeClr val="tx1"/>
+                      </a:solidFill>
+                    </a:rPr>
+                    <a:t>(3,1)</a:t>
+                  </a:r>
+                </a:p>
+              </p:txBody>
+            </p:sp>
+          </p:grpSp>
+          <p:grpSp>
+            <p:nvGrpSpPr>
+              <p:cNvPr id="16" name="Groupe 15"/>
+              <p:cNvGrpSpPr/>
+              <p:nvPr/>
+            </p:nvGrpSpPr>
+            <p:grpSpPr>
+              <a:xfrm>
+                <a:off x="2313992" y="2528900"/>
+                <a:ext cx="3247806" cy="360000"/>
+                <a:chOff x="2315580" y="3971404"/>
+                <a:chExt cx="3247806" cy="360000"/>
+              </a:xfrm>
+            </p:grpSpPr>
+            <p:sp>
+              <p:nvSpPr>
+                <p:cNvPr id="17" name="Ellipse 16"/>
+                <p:cNvSpPr/>
+                <p:nvPr/>
+              </p:nvSpPr>
+              <p:spPr>
+                <a:xfrm>
+                  <a:off x="2315580" y="3971404"/>
+                  <a:ext cx="360000" cy="360000"/>
+                </a:xfrm>
+                <a:prstGeom prst="ellipse">
+                  <a:avLst/>
+                </a:prstGeom>
+                <a:solidFill>
+                  <a:schemeClr val="tx2">
+                    <a:lumMod val="20000"/>
+                    <a:lumOff val="80000"/>
+                  </a:schemeClr>
+                </a:solidFill>
+                <a:ln w="19050">
+                  <a:solidFill>
+                    <a:schemeClr val="tx2"/>
+                  </a:solidFill>
+                </a:ln>
+              </p:spPr>
+              <p:style>
+                <a:lnRef idx="2">
+                  <a:schemeClr val="accent1">
+                    <a:shade val="50000"/>
+                  </a:schemeClr>
+                </a:lnRef>
+                <a:fillRef idx="1">
+                  <a:schemeClr val="accent1"/>
+                </a:fillRef>
+                <a:effectRef idx="0">
+                  <a:schemeClr val="accent1"/>
+                </a:effectRef>
+                <a:fontRef idx="minor">
+                  <a:schemeClr val="lt1"/>
+                </a:fontRef>
+              </p:style>
+              <p:txBody>
+                <a:bodyPr lIns="0" tIns="0" rIns="0" bIns="0" rtlCol="0" anchor="ctr"/>
+                <a:lstStyle/>
+                <a:p>
+                  <a:pPr algn="ctr"/>
+                  <a:r>
+                    <a:rPr lang="fr-FR" sz="1000" b="1" dirty="0">
+                      <a:solidFill>
+                        <a:schemeClr val="tx1"/>
+                      </a:solidFill>
+                    </a:rPr>
+                    <a:t>(0,2)</a:t>
+                  </a:r>
+                </a:p>
+              </p:txBody>
+            </p:sp>
+            <p:sp>
+              <p:nvSpPr>
+                <p:cNvPr id="18" name="Ellipse 17"/>
+                <p:cNvSpPr/>
+                <p:nvPr/>
+              </p:nvSpPr>
+              <p:spPr>
+                <a:xfrm>
+                  <a:off x="3759484" y="3971404"/>
+                  <a:ext cx="360000" cy="360000"/>
+                </a:xfrm>
+                <a:prstGeom prst="ellipse">
+                  <a:avLst/>
+                </a:prstGeom>
+                <a:solidFill>
+                  <a:schemeClr val="tx2">
+                    <a:lumMod val="20000"/>
+                    <a:lumOff val="80000"/>
+                  </a:schemeClr>
+                </a:solidFill>
+                <a:ln w="19050">
+                  <a:solidFill>
+                    <a:schemeClr val="tx2"/>
+                  </a:solidFill>
+                </a:ln>
+              </p:spPr>
+              <p:style>
+                <a:lnRef idx="2">
+                  <a:schemeClr val="accent1">
+                    <a:shade val="50000"/>
+                  </a:schemeClr>
+                </a:lnRef>
+                <a:fillRef idx="1">
+                  <a:schemeClr val="accent1"/>
+                </a:fillRef>
+                <a:effectRef idx="0">
+                  <a:schemeClr val="accent1"/>
+                </a:effectRef>
+                <a:fontRef idx="minor">
+                  <a:schemeClr val="lt1"/>
+                </a:fontRef>
+              </p:style>
+              <p:txBody>
+                <a:bodyPr lIns="0" tIns="0" rIns="0" bIns="0" rtlCol="0" anchor="ctr"/>
+                <a:lstStyle/>
+                <a:p>
+                  <a:pPr algn="ctr"/>
+                  <a:r>
+                    <a:rPr lang="fr-FR" sz="1000" b="1" dirty="0">
+                      <a:solidFill>
+                        <a:schemeClr val="tx1"/>
+                      </a:solidFill>
+                    </a:rPr>
+                    <a:t>(2,2)</a:t>
+                  </a:r>
+                </a:p>
+              </p:txBody>
+            </p:sp>
+            <p:sp>
+              <p:nvSpPr>
+                <p:cNvPr id="19" name="Ellipse 18"/>
+                <p:cNvSpPr/>
+                <p:nvPr/>
+              </p:nvSpPr>
+              <p:spPr>
+                <a:xfrm>
+                  <a:off x="3037532" y="3971404"/>
+                  <a:ext cx="360000" cy="360000"/>
+                </a:xfrm>
+                <a:prstGeom prst="ellipse">
+                  <a:avLst/>
+                </a:prstGeom>
+                <a:solidFill>
+                  <a:schemeClr val="tx2">
+                    <a:lumMod val="20000"/>
+                    <a:lumOff val="80000"/>
+                  </a:schemeClr>
+                </a:solidFill>
+                <a:ln w="19050">
+                  <a:solidFill>
+                    <a:schemeClr val="tx2"/>
+                  </a:solidFill>
+                </a:ln>
+              </p:spPr>
+              <p:style>
+                <a:lnRef idx="2">
+                  <a:schemeClr val="accent1">
+                    <a:shade val="50000"/>
+                  </a:schemeClr>
+                </a:lnRef>
+                <a:fillRef idx="1">
+                  <a:schemeClr val="accent1"/>
+                </a:fillRef>
+                <a:effectRef idx="0">
+                  <a:schemeClr val="accent1"/>
+                </a:effectRef>
+                <a:fontRef idx="minor">
+                  <a:schemeClr val="lt1"/>
+                </a:fontRef>
+              </p:style>
+              <p:txBody>
+                <a:bodyPr lIns="0" tIns="0" rIns="0" bIns="0" rtlCol="0" anchor="ctr"/>
+                <a:lstStyle/>
+                <a:p>
+                  <a:pPr algn="ctr"/>
+                  <a:r>
+                    <a:rPr lang="fr-FR" sz="1000" b="1" dirty="0">
+                      <a:solidFill>
+                        <a:schemeClr val="tx1"/>
+                      </a:solidFill>
+                    </a:rPr>
+                    <a:t>(1,2)</a:t>
+                  </a:r>
+                </a:p>
+              </p:txBody>
+            </p:sp>
+            <p:sp>
+              <p:nvSpPr>
+                <p:cNvPr id="20" name="Ellipse 19"/>
+                <p:cNvSpPr/>
+                <p:nvPr/>
+              </p:nvSpPr>
+              <p:spPr>
+                <a:xfrm>
+                  <a:off x="5203386" y="3971404"/>
+                  <a:ext cx="360000" cy="360000"/>
+                </a:xfrm>
+                <a:prstGeom prst="ellipse">
+                  <a:avLst/>
+                </a:prstGeom>
+                <a:solidFill>
+                  <a:schemeClr val="tx2">
+                    <a:lumMod val="20000"/>
+                    <a:lumOff val="80000"/>
+                  </a:schemeClr>
+                </a:solidFill>
+                <a:ln w="19050">
+                  <a:solidFill>
+                    <a:schemeClr val="tx2"/>
+                  </a:solidFill>
+                </a:ln>
+              </p:spPr>
+              <p:style>
+                <a:lnRef idx="2">
+                  <a:schemeClr val="accent1">
+                    <a:shade val="50000"/>
+                  </a:schemeClr>
+                </a:lnRef>
+                <a:fillRef idx="1">
+                  <a:schemeClr val="accent1"/>
+                </a:fillRef>
+                <a:effectRef idx="0">
+                  <a:schemeClr val="accent1"/>
+                </a:effectRef>
+                <a:fontRef idx="minor">
+                  <a:schemeClr val="lt1"/>
+                </a:fontRef>
+              </p:style>
+              <p:txBody>
+                <a:bodyPr lIns="0" tIns="0" rIns="0" bIns="0" rtlCol="0" anchor="ctr"/>
+                <a:lstStyle/>
+                <a:p>
+                  <a:pPr algn="ctr"/>
+                  <a:r>
+                    <a:rPr lang="fr-FR" sz="1000" b="1" dirty="0">
+                      <a:solidFill>
+                        <a:schemeClr val="tx1"/>
+                      </a:solidFill>
+                    </a:rPr>
+                    <a:t>(2,4)</a:t>
+                  </a:r>
+                </a:p>
+              </p:txBody>
+            </p:sp>
+            <p:sp>
+              <p:nvSpPr>
+                <p:cNvPr id="21" name="Ellipse 20"/>
+                <p:cNvSpPr/>
+                <p:nvPr/>
+              </p:nvSpPr>
+              <p:spPr>
+                <a:xfrm>
+                  <a:off x="4481435" y="3971404"/>
+                  <a:ext cx="360000" cy="360000"/>
+                </a:xfrm>
+                <a:prstGeom prst="ellipse">
+                  <a:avLst/>
+                </a:prstGeom>
+                <a:solidFill>
+                  <a:schemeClr val="tx2">
+                    <a:lumMod val="20000"/>
+                    <a:lumOff val="80000"/>
+                  </a:schemeClr>
+                </a:solidFill>
+                <a:ln w="19050">
+                  <a:solidFill>
+                    <a:schemeClr val="tx2"/>
+                  </a:solidFill>
+                </a:ln>
+              </p:spPr>
+              <p:style>
+                <a:lnRef idx="2">
+                  <a:schemeClr val="accent1">
+                    <a:shade val="50000"/>
+                  </a:schemeClr>
+                </a:lnRef>
+                <a:fillRef idx="1">
+                  <a:schemeClr val="accent1"/>
+                </a:fillRef>
+                <a:effectRef idx="0">
+                  <a:schemeClr val="accent1"/>
+                </a:effectRef>
+                <a:fontRef idx="minor">
+                  <a:schemeClr val="lt1"/>
+                </a:fontRef>
+              </p:style>
+              <p:txBody>
+                <a:bodyPr lIns="0" tIns="0" rIns="0" bIns="0" rtlCol="0" anchor="ctr"/>
+                <a:lstStyle/>
+                <a:p>
+                  <a:pPr algn="ctr"/>
+                  <a:r>
+                    <a:rPr lang="fr-FR" sz="1000" b="1" dirty="0">
+                      <a:solidFill>
+                        <a:schemeClr val="tx1"/>
+                      </a:solidFill>
+                    </a:rPr>
+                    <a:t>(3,2)</a:t>
+                  </a:r>
+                </a:p>
+              </p:txBody>
+            </p:sp>
+          </p:grpSp>
+        </p:grpSp>
+      </p:grpSp>
+      <p:grpSp>
+        <p:nvGrpSpPr>
+          <p:cNvPr id="30" name="Groupe 29"/>
+          <p:cNvGrpSpPr/>
+          <p:nvPr/>
+        </p:nvGrpSpPr>
+        <p:grpSpPr>
+          <a:xfrm>
+            <a:off x="6816080" y="2890152"/>
+            <a:ext cx="1081952" cy="1081252"/>
+            <a:chOff x="2313992" y="3250152"/>
+            <a:chExt cx="1081952" cy="1081252"/>
+          </a:xfrm>
+        </p:grpSpPr>
+        <p:cxnSp>
+          <p:nvCxnSpPr>
+            <p:cNvPr id="31" name="Connecteur droit 30"/>
+            <p:cNvCxnSpPr>
+              <a:stCxn id="38" idx="6"/>
+              <a:endCxn id="39" idx="2"/>
+            </p:cNvCxnSpPr>
+            <p:nvPr/>
+          </p:nvCxnSpPr>
+          <p:spPr>
+            <a:xfrm>
+              <a:off x="2673992" y="3430152"/>
+              <a:ext cx="361952" cy="0"/>
+            </a:xfrm>
+            <a:prstGeom prst="line">
+              <a:avLst/>
+            </a:prstGeom>
+            <a:solidFill>
+              <a:schemeClr val="tx2">
+                <a:lumMod val="20000"/>
+                <a:lumOff val="80000"/>
+              </a:schemeClr>
+            </a:solidFill>
+            <a:ln w="19050">
+              <a:solidFill>
+                <a:schemeClr val="tx2"/>
+              </a:solidFill>
+            </a:ln>
+          </p:spPr>
+          <p:style>
+            <a:lnRef idx="2">
+              <a:schemeClr val="accent1">
+                <a:shade val="50000"/>
+              </a:schemeClr>
+            </a:lnRef>
+            <a:fillRef idx="1">
+              <a:schemeClr val="accent1"/>
+            </a:fillRef>
+            <a:effectRef idx="0">
+              <a:schemeClr val="accent1"/>
+            </a:effectRef>
+            <a:fontRef idx="minor">
+              <a:schemeClr val="lt1"/>
+            </a:fontRef>
+          </p:style>
+        </p:cxnSp>
+        <p:cxnSp>
+          <p:nvCxnSpPr>
+            <p:cNvPr id="32" name="Connecteur droit 31"/>
+            <p:cNvCxnSpPr>
+              <a:stCxn id="40" idx="6"/>
+              <a:endCxn id="41" idx="2"/>
+            </p:cNvCxnSpPr>
+            <p:nvPr/>
+          </p:nvCxnSpPr>
+          <p:spPr>
+            <a:xfrm>
+              <a:off x="2673992" y="4151404"/>
+              <a:ext cx="361952" cy="0"/>
+            </a:xfrm>
+            <a:prstGeom prst="line">
+              <a:avLst/>
+            </a:prstGeom>
+            <a:solidFill>
+              <a:schemeClr val="tx2">
+                <a:lumMod val="20000"/>
+                <a:lumOff val="80000"/>
+              </a:schemeClr>
+            </a:solidFill>
+            <a:ln w="19050">
+              <a:solidFill>
+                <a:schemeClr val="tx2"/>
+              </a:solidFill>
+            </a:ln>
+          </p:spPr>
+          <p:style>
+            <a:lnRef idx="2">
+              <a:schemeClr val="accent1">
+                <a:shade val="50000"/>
+              </a:schemeClr>
+            </a:lnRef>
+            <a:fillRef idx="1">
+              <a:schemeClr val="accent1"/>
+            </a:fillRef>
+            <a:effectRef idx="0">
+              <a:schemeClr val="accent1"/>
+            </a:effectRef>
+            <a:fontRef idx="minor">
+              <a:schemeClr val="lt1"/>
+            </a:fontRef>
+          </p:style>
+        </p:cxnSp>
+        <p:cxnSp>
+          <p:nvCxnSpPr>
+            <p:cNvPr id="33" name="Connecteur droit 32"/>
+            <p:cNvCxnSpPr>
+              <a:stCxn id="40" idx="0"/>
+              <a:endCxn id="38" idx="4"/>
+            </p:cNvCxnSpPr>
+            <p:nvPr/>
+          </p:nvCxnSpPr>
+          <p:spPr>
+            <a:xfrm flipV="1">
+              <a:off x="2493992" y="3610152"/>
+              <a:ext cx="0" cy="361252"/>
+            </a:xfrm>
+            <a:prstGeom prst="line">
+              <a:avLst/>
+            </a:prstGeom>
+            <a:solidFill>
+              <a:schemeClr val="tx2">
+                <a:lumMod val="20000"/>
+                <a:lumOff val="80000"/>
+              </a:schemeClr>
+            </a:solidFill>
+            <a:ln w="19050">
+              <a:solidFill>
+                <a:schemeClr val="tx2"/>
+              </a:solidFill>
+            </a:ln>
+          </p:spPr>
+          <p:style>
+            <a:lnRef idx="2">
+              <a:schemeClr val="accent1">
+                <a:shade val="50000"/>
+              </a:schemeClr>
+            </a:lnRef>
+            <a:fillRef idx="1">
+              <a:schemeClr val="accent1"/>
+            </a:fillRef>
+            <a:effectRef idx="0">
+              <a:schemeClr val="accent1"/>
+            </a:effectRef>
+            <a:fontRef idx="minor">
+              <a:schemeClr val="lt1"/>
+            </a:fontRef>
+          </p:style>
+        </p:cxnSp>
+        <p:cxnSp>
+          <p:nvCxnSpPr>
+            <p:cNvPr id="34" name="Connecteur droit 33"/>
+            <p:cNvCxnSpPr>
+              <a:stCxn id="41" idx="0"/>
+              <a:endCxn id="39" idx="4"/>
+            </p:cNvCxnSpPr>
+            <p:nvPr/>
+          </p:nvCxnSpPr>
+          <p:spPr>
+            <a:xfrm flipV="1">
+              <a:off x="3215944" y="3610152"/>
+              <a:ext cx="0" cy="361252"/>
+            </a:xfrm>
+            <a:prstGeom prst="line">
+              <a:avLst/>
+            </a:prstGeom>
+            <a:solidFill>
+              <a:schemeClr val="tx2">
+                <a:lumMod val="20000"/>
+                <a:lumOff val="80000"/>
+              </a:schemeClr>
+            </a:solidFill>
+            <a:ln w="19050">
+              <a:solidFill>
+                <a:schemeClr val="tx2"/>
+              </a:solidFill>
+            </a:ln>
+          </p:spPr>
+          <p:style>
+            <a:lnRef idx="2">
+              <a:schemeClr val="accent1">
+                <a:shade val="50000"/>
+              </a:schemeClr>
+            </a:lnRef>
+            <a:fillRef idx="1">
+              <a:schemeClr val="accent1"/>
+            </a:fillRef>
+            <a:effectRef idx="0">
+              <a:schemeClr val="accent1"/>
+            </a:effectRef>
+            <a:fontRef idx="minor">
+              <a:schemeClr val="lt1"/>
+            </a:fontRef>
+          </p:style>
+        </p:cxnSp>
+        <p:grpSp>
+          <p:nvGrpSpPr>
+            <p:cNvPr id="35" name="Groupe 34"/>
+            <p:cNvGrpSpPr/>
+            <p:nvPr/>
+          </p:nvGrpSpPr>
+          <p:grpSpPr>
+            <a:xfrm>
+              <a:off x="2313992" y="3250152"/>
+              <a:ext cx="1081952" cy="1081252"/>
+              <a:chOff x="2313992" y="3250152"/>
+              <a:chExt cx="1081952" cy="1081252"/>
+            </a:xfrm>
+          </p:grpSpPr>
+          <p:grpSp>
+            <p:nvGrpSpPr>
+              <p:cNvPr id="36" name="Groupe 35"/>
+              <p:cNvGrpSpPr/>
+              <p:nvPr/>
+            </p:nvGrpSpPr>
+            <p:grpSpPr>
+              <a:xfrm>
+                <a:off x="2313992" y="3971404"/>
+                <a:ext cx="1081952" cy="360000"/>
+                <a:chOff x="2315580" y="3971404"/>
+                <a:chExt cx="1081952" cy="360000"/>
+              </a:xfrm>
+            </p:grpSpPr>
+            <p:sp>
+              <p:nvSpPr>
+                <p:cNvPr id="40" name="Ellipse 39"/>
+                <p:cNvSpPr/>
+                <p:nvPr/>
+              </p:nvSpPr>
+              <p:spPr>
+                <a:xfrm>
+                  <a:off x="2315580" y="3971404"/>
+                  <a:ext cx="360000" cy="360000"/>
+                </a:xfrm>
+                <a:prstGeom prst="ellipse">
+                  <a:avLst/>
+                </a:prstGeom>
+                <a:solidFill>
+                  <a:schemeClr val="tx2">
+                    <a:lumMod val="20000"/>
+                    <a:lumOff val="80000"/>
+                  </a:schemeClr>
+                </a:solidFill>
+                <a:ln w="19050">
+                  <a:solidFill>
+                    <a:schemeClr val="tx2"/>
+                  </a:solidFill>
+                </a:ln>
+              </p:spPr>
+              <p:style>
+                <a:lnRef idx="2">
+                  <a:schemeClr val="accent1">
+                    <a:shade val="50000"/>
+                  </a:schemeClr>
+                </a:lnRef>
+                <a:fillRef idx="1">
+                  <a:schemeClr val="accent1"/>
+                </a:fillRef>
+                <a:effectRef idx="0">
+                  <a:schemeClr val="accent1"/>
+                </a:effectRef>
+                <a:fontRef idx="minor">
+                  <a:schemeClr val="lt1"/>
+                </a:fontRef>
+              </p:style>
+              <p:txBody>
+                <a:bodyPr lIns="0" tIns="0" rIns="0" bIns="0" rtlCol="0" anchor="ctr"/>
+                <a:lstStyle/>
+                <a:p>
+                  <a:pPr algn="ctr"/>
+                  <a:r>
+                    <a:rPr lang="fr-FR" sz="1000" b="1" dirty="0">
+                      <a:solidFill>
+                        <a:schemeClr val="tx1"/>
+                      </a:solidFill>
+                    </a:rPr>
+                    <a:t>(0,0)</a:t>
+                  </a:r>
+                </a:p>
+              </p:txBody>
+            </p:sp>
+            <p:sp>
+              <p:nvSpPr>
+                <p:cNvPr id="41" name="Ellipse 40"/>
+                <p:cNvSpPr/>
+                <p:nvPr/>
+              </p:nvSpPr>
+              <p:spPr>
+                <a:xfrm>
+                  <a:off x="3037532" y="3971404"/>
+                  <a:ext cx="360000" cy="360000"/>
+                </a:xfrm>
+                <a:prstGeom prst="ellipse">
+                  <a:avLst/>
+                </a:prstGeom>
+                <a:solidFill>
+                  <a:schemeClr val="tx2">
+                    <a:lumMod val="20000"/>
+                    <a:lumOff val="80000"/>
+                  </a:schemeClr>
+                </a:solidFill>
+                <a:ln w="19050">
+                  <a:solidFill>
+                    <a:schemeClr val="tx2"/>
+                  </a:solidFill>
+                </a:ln>
+              </p:spPr>
+              <p:style>
+                <a:lnRef idx="2">
+                  <a:schemeClr val="accent1">
+                    <a:shade val="50000"/>
+                  </a:schemeClr>
+                </a:lnRef>
+                <a:fillRef idx="1">
+                  <a:schemeClr val="accent1"/>
+                </a:fillRef>
+                <a:effectRef idx="0">
+                  <a:schemeClr val="accent1"/>
+                </a:effectRef>
+                <a:fontRef idx="minor">
+                  <a:schemeClr val="lt1"/>
+                </a:fontRef>
+              </p:style>
+              <p:txBody>
+                <a:bodyPr lIns="0" tIns="0" rIns="0" bIns="0" rtlCol="0" anchor="ctr"/>
+                <a:lstStyle/>
+                <a:p>
+                  <a:pPr algn="ctr"/>
+                  <a:r>
+                    <a:rPr lang="fr-FR" sz="1000" b="1" dirty="0">
+                      <a:solidFill>
+                        <a:schemeClr val="tx1"/>
+                      </a:solidFill>
+                    </a:rPr>
+                    <a:t>(0,1)</a:t>
+                  </a:r>
+                </a:p>
+              </p:txBody>
+            </p:sp>
+          </p:grpSp>
+          <p:grpSp>
+            <p:nvGrpSpPr>
+              <p:cNvPr id="37" name="Groupe 36"/>
+              <p:cNvGrpSpPr/>
+              <p:nvPr/>
+            </p:nvGrpSpPr>
+            <p:grpSpPr>
+              <a:xfrm>
+                <a:off x="2313992" y="3250152"/>
+                <a:ext cx="1081952" cy="360000"/>
+                <a:chOff x="2315580" y="3971404"/>
+                <a:chExt cx="1081952" cy="360000"/>
+              </a:xfrm>
+            </p:grpSpPr>
+            <p:sp>
+              <p:nvSpPr>
+                <p:cNvPr id="38" name="Ellipse 37"/>
+                <p:cNvSpPr/>
+                <p:nvPr/>
+              </p:nvSpPr>
+              <p:spPr>
+                <a:xfrm>
+                  <a:off x="2315580" y="3971404"/>
+                  <a:ext cx="360000" cy="360000"/>
+                </a:xfrm>
+                <a:prstGeom prst="ellipse">
+                  <a:avLst/>
+                </a:prstGeom>
+                <a:solidFill>
+                  <a:schemeClr val="tx2">
+                    <a:lumMod val="20000"/>
+                    <a:lumOff val="80000"/>
+                  </a:schemeClr>
+                </a:solidFill>
+                <a:ln w="19050">
+                  <a:solidFill>
+                    <a:schemeClr val="tx2"/>
+                  </a:solidFill>
+                </a:ln>
+              </p:spPr>
+              <p:style>
+                <a:lnRef idx="2">
+                  <a:schemeClr val="accent1">
+                    <a:shade val="50000"/>
+                  </a:schemeClr>
+                </a:lnRef>
+                <a:fillRef idx="1">
+                  <a:schemeClr val="accent1"/>
+                </a:fillRef>
+                <a:effectRef idx="0">
+                  <a:schemeClr val="accent1"/>
+                </a:effectRef>
+                <a:fontRef idx="minor">
+                  <a:schemeClr val="lt1"/>
+                </a:fontRef>
+              </p:style>
+              <p:txBody>
+                <a:bodyPr lIns="0" tIns="0" rIns="0" bIns="0" rtlCol="0" anchor="ctr"/>
+                <a:lstStyle/>
+                <a:p>
+                  <a:pPr algn="ctr"/>
+                  <a:r>
+                    <a:rPr lang="fr-FR" sz="1000" b="1" dirty="0">
+                      <a:solidFill>
+                        <a:schemeClr val="tx1"/>
+                      </a:solidFill>
+                    </a:rPr>
+                    <a:t>(1,0)</a:t>
+                  </a:r>
+                </a:p>
+              </p:txBody>
+            </p:sp>
+            <p:sp>
+              <p:nvSpPr>
+                <p:cNvPr id="39" name="Ellipse 38"/>
+                <p:cNvSpPr/>
+                <p:nvPr/>
+              </p:nvSpPr>
+              <p:spPr>
+                <a:xfrm>
+                  <a:off x="3037532" y="3971404"/>
+                  <a:ext cx="360000" cy="360000"/>
+                </a:xfrm>
+                <a:prstGeom prst="ellipse">
+                  <a:avLst/>
+                </a:prstGeom>
+                <a:solidFill>
+                  <a:schemeClr val="tx2">
+                    <a:lumMod val="20000"/>
+                    <a:lumOff val="80000"/>
+                  </a:schemeClr>
+                </a:solidFill>
+                <a:ln w="19050">
+                  <a:solidFill>
+                    <a:schemeClr val="tx2"/>
+                  </a:solidFill>
+                </a:ln>
+              </p:spPr>
+              <p:style>
+                <a:lnRef idx="2">
+                  <a:schemeClr val="accent1">
+                    <a:shade val="50000"/>
+                  </a:schemeClr>
+                </a:lnRef>
+                <a:fillRef idx="1">
+                  <a:schemeClr val="accent1"/>
+                </a:fillRef>
+                <a:effectRef idx="0">
+                  <a:schemeClr val="accent1"/>
+                </a:effectRef>
+                <a:fontRef idx="minor">
+                  <a:schemeClr val="lt1"/>
+                </a:fontRef>
+              </p:style>
+              <p:txBody>
+                <a:bodyPr lIns="0" tIns="0" rIns="0" bIns="0" rtlCol="0" anchor="ctr"/>
+                <a:lstStyle/>
+                <a:p>
+                  <a:pPr algn="ctr"/>
+                  <a:r>
+                    <a:rPr lang="fr-FR" sz="1000" b="1" dirty="0">
+                      <a:solidFill>
+                        <a:schemeClr val="tx1"/>
+                      </a:solidFill>
+                    </a:rPr>
+                    <a:t>(1,1)</a:t>
+                  </a:r>
+                </a:p>
+              </p:txBody>
+            </p:sp>
+          </p:grpSp>
+        </p:grpSp>
+      </p:grpSp>
+    </p:spTree>
+    <p:extLst>
+      <p:ext uri="{BB962C8B-B14F-4D97-AF65-F5344CB8AC3E}">
+        <p14:creationId xmlns:p14="http://schemas.microsoft.com/office/powerpoint/2010/main" val="2607648255"/>
+      </p:ext>
+    </p:extLst>
+  </p:cSld>
+  <p:clrMapOvr>
+    <a:masterClrMapping/>
+  </p:clrMapOvr>
+</p:sld>
+</file>
+
+<file path=ppt/slides/slide2.xml><?xml version="1.0" encoding="utf-8"?>
+<p:sld xmlns:a="http://schemas.openxmlformats.org/drawingml/2006/main" xmlns:r="http://schemas.openxmlformats.org/officeDocument/2006/relationships" xmlns:p="http://schemas.openxmlformats.org/presentationml/2006/main">
+  <p:cSld>
+    <p:spTree>
+      <p:nvGrpSpPr>
+        <p:cNvPr id="1" name=""/>
+        <p:cNvGrpSpPr/>
+        <p:nvPr/>
+      </p:nvGrpSpPr>
+      <p:grpSpPr>
+        <a:xfrm>
+          <a:off x="0" y="0"/>
+          <a:ext cx="0" cy="0"/>
+          <a:chOff x="0" y="0"/>
+          <a:chExt cx="0" cy="0"/>
+        </a:xfrm>
+      </p:grpSpPr>
+      <p:grpSp>
+        <p:nvGrpSpPr>
+          <p:cNvPr id="86" name="Groupe 85"/>
+          <p:cNvGrpSpPr/>
+          <p:nvPr/>
+        </p:nvGrpSpPr>
+        <p:grpSpPr>
+          <a:xfrm>
+            <a:off x="2313992" y="2528900"/>
+            <a:ext cx="3247806" cy="1802504"/>
+            <a:chOff x="2313992" y="2528900"/>
+            <a:chExt cx="3247806" cy="1802504"/>
+          </a:xfrm>
+        </p:grpSpPr>
+        <p:cxnSp>
+          <p:nvCxnSpPr>
+            <p:cNvPr id="24" name="Connecteur droit 23"/>
+            <p:cNvCxnSpPr>
+              <a:stCxn id="17" idx="6"/>
+              <a:endCxn id="20" idx="2"/>
+            </p:cNvCxnSpPr>
+            <p:nvPr/>
+          </p:nvCxnSpPr>
+          <p:spPr>
+            <a:xfrm>
+              <a:off x="2673992" y="2708900"/>
+              <a:ext cx="2527806" cy="0"/>
+            </a:xfrm>
+            <a:prstGeom prst="line">
+              <a:avLst/>
+            </a:prstGeom>
+            <a:solidFill>
+              <a:schemeClr val="tx2">
+                <a:lumMod val="20000"/>
+                <a:lumOff val="80000"/>
+              </a:schemeClr>
+            </a:solidFill>
+            <a:ln w="19050">
+              <a:solidFill>
+                <a:schemeClr val="tx2"/>
+              </a:solidFill>
+            </a:ln>
+          </p:spPr>
+          <p:style>
+            <a:lnRef idx="2">
+              <a:schemeClr val="accent1">
+                <a:shade val="50000"/>
+              </a:schemeClr>
+            </a:lnRef>
+            <a:fillRef idx="1">
+              <a:schemeClr val="accent1"/>
+            </a:fillRef>
+            <a:effectRef idx="0">
+              <a:schemeClr val="accent1"/>
+            </a:effectRef>
+            <a:fontRef idx="minor">
+              <a:schemeClr val="lt1"/>
+            </a:fontRef>
+          </p:style>
+        </p:cxnSp>
+        <p:cxnSp>
+          <p:nvCxnSpPr>
+            <p:cNvPr id="65" name="Connecteur droit 64"/>
+            <p:cNvCxnSpPr>
+              <a:stCxn id="11" idx="6"/>
+              <a:endCxn id="14" idx="2"/>
+            </p:cNvCxnSpPr>
+            <p:nvPr/>
+          </p:nvCxnSpPr>
+          <p:spPr>
+            <a:xfrm>
+              <a:off x="2673992" y="3430152"/>
+              <a:ext cx="2527806" cy="0"/>
+            </a:xfrm>
+            <a:prstGeom prst="line">
+              <a:avLst/>
+            </a:prstGeom>
+            <a:solidFill>
+              <a:schemeClr val="tx2">
+                <a:lumMod val="20000"/>
+                <a:lumOff val="80000"/>
+              </a:schemeClr>
+            </a:solidFill>
+            <a:ln w="19050">
+              <a:solidFill>
+                <a:schemeClr val="tx2"/>
+              </a:solidFill>
+            </a:ln>
+          </p:spPr>
+          <p:style>
+            <a:lnRef idx="2">
+              <a:schemeClr val="accent1">
+                <a:shade val="50000"/>
+              </a:schemeClr>
+            </a:lnRef>
+            <a:fillRef idx="1">
+              <a:schemeClr val="accent1"/>
+            </a:fillRef>
+            <a:effectRef idx="0">
+              <a:schemeClr val="accent1"/>
+            </a:effectRef>
+            <a:fontRef idx="minor">
+              <a:schemeClr val="lt1"/>
+            </a:fontRef>
+          </p:style>
+        </p:cxnSp>
+        <p:cxnSp>
+          <p:nvCxnSpPr>
+            <p:cNvPr id="66" name="Connecteur droit 65"/>
+            <p:cNvCxnSpPr>
+              <a:stCxn id="4" idx="6"/>
+              <a:endCxn id="7" idx="2"/>
+            </p:cNvCxnSpPr>
+            <p:nvPr/>
+          </p:nvCxnSpPr>
+          <p:spPr>
+            <a:xfrm>
+              <a:off x="2673992" y="4151404"/>
+              <a:ext cx="2527806" cy="0"/>
+            </a:xfrm>
+            <a:prstGeom prst="line">
+              <a:avLst/>
+            </a:prstGeom>
+            <a:solidFill>
+              <a:schemeClr val="tx2">
+                <a:lumMod val="20000"/>
+                <a:lumOff val="80000"/>
+              </a:schemeClr>
+            </a:solidFill>
+            <a:ln w="19050">
+              <a:solidFill>
+                <a:schemeClr val="tx2"/>
+              </a:solidFill>
+            </a:ln>
+          </p:spPr>
+          <p:style>
+            <a:lnRef idx="2">
+              <a:schemeClr val="accent1">
+                <a:shade val="50000"/>
+              </a:schemeClr>
+            </a:lnRef>
+            <a:fillRef idx="1">
+              <a:schemeClr val="accent1"/>
+            </a:fillRef>
+            <a:effectRef idx="0">
+              <a:schemeClr val="accent1"/>
+            </a:effectRef>
+            <a:fontRef idx="minor">
+              <a:schemeClr val="lt1"/>
+            </a:fontRef>
+          </p:style>
+        </p:cxnSp>
+        <p:cxnSp>
+          <p:nvCxnSpPr>
+            <p:cNvPr id="71" name="Connecteur droit 70"/>
+            <p:cNvCxnSpPr>
+              <a:stCxn id="4" idx="0"/>
+              <a:endCxn id="17" idx="4"/>
+            </p:cNvCxnSpPr>
+            <p:nvPr/>
+          </p:nvCxnSpPr>
+          <p:spPr>
+            <a:xfrm flipV="1">
+              <a:off x="2493992" y="2888900"/>
+              <a:ext cx="0" cy="1082504"/>
+            </a:xfrm>
+            <a:prstGeom prst="line">
+              <a:avLst/>
+            </a:prstGeom>
+            <a:solidFill>
+              <a:schemeClr val="tx2">
+                <a:lumMod val="20000"/>
+                <a:lumOff val="80000"/>
+              </a:schemeClr>
+            </a:solidFill>
+            <a:ln w="19050">
+              <a:solidFill>
+                <a:schemeClr val="tx2"/>
+              </a:solidFill>
+            </a:ln>
+          </p:spPr>
+          <p:style>
+            <a:lnRef idx="2">
+              <a:schemeClr val="accent1">
+                <a:shade val="50000"/>
+              </a:schemeClr>
+            </a:lnRef>
+            <a:fillRef idx="1">
+              <a:schemeClr val="accent1"/>
+            </a:fillRef>
+            <a:effectRef idx="0">
+              <a:schemeClr val="accent1"/>
+            </a:effectRef>
+            <a:fontRef idx="minor">
+              <a:schemeClr val="lt1"/>
+            </a:fontRef>
+          </p:style>
+        </p:cxnSp>
+        <p:cxnSp>
+          <p:nvCxnSpPr>
+            <p:cNvPr id="74" name="Connecteur droit 73"/>
+            <p:cNvCxnSpPr>
+              <a:stCxn id="6" idx="0"/>
+              <a:endCxn id="19" idx="4"/>
+            </p:cNvCxnSpPr>
+            <p:nvPr/>
+          </p:nvCxnSpPr>
+          <p:spPr>
+            <a:xfrm flipV="1">
+              <a:off x="3215944" y="2888900"/>
+              <a:ext cx="0" cy="1082504"/>
+            </a:xfrm>
+            <a:prstGeom prst="line">
+              <a:avLst/>
+            </a:prstGeom>
+            <a:solidFill>
+              <a:schemeClr val="tx2">
+                <a:lumMod val="20000"/>
+                <a:lumOff val="80000"/>
+              </a:schemeClr>
+            </a:solidFill>
+            <a:ln w="19050">
+              <a:solidFill>
+                <a:schemeClr val="tx2"/>
+              </a:solidFill>
+            </a:ln>
+          </p:spPr>
+          <p:style>
+            <a:lnRef idx="2">
+              <a:schemeClr val="accent1">
+                <a:shade val="50000"/>
+              </a:schemeClr>
+            </a:lnRef>
+            <a:fillRef idx="1">
+              <a:schemeClr val="accent1"/>
+            </a:fillRef>
+            <a:effectRef idx="0">
+              <a:schemeClr val="accent1"/>
+            </a:effectRef>
+            <a:fontRef idx="minor">
+              <a:schemeClr val="lt1"/>
+            </a:fontRef>
+          </p:style>
+        </p:cxnSp>
+        <p:cxnSp>
+          <p:nvCxnSpPr>
+            <p:cNvPr id="77" name="Connecteur droit 76"/>
+            <p:cNvCxnSpPr>
+              <a:stCxn id="5" idx="0"/>
+              <a:endCxn id="18" idx="4"/>
+            </p:cNvCxnSpPr>
+            <p:nvPr/>
+          </p:nvCxnSpPr>
+          <p:spPr>
+            <a:xfrm flipV="1">
+              <a:off x="3937896" y="2888900"/>
+              <a:ext cx="0" cy="1082504"/>
+            </a:xfrm>
+            <a:prstGeom prst="line">
+              <a:avLst/>
+            </a:prstGeom>
+            <a:solidFill>
+              <a:schemeClr val="tx2">
+                <a:lumMod val="20000"/>
+                <a:lumOff val="80000"/>
+              </a:schemeClr>
+            </a:solidFill>
+            <a:ln w="19050">
+              <a:solidFill>
+                <a:schemeClr val="tx2"/>
+              </a:solidFill>
+            </a:ln>
+          </p:spPr>
+          <p:style>
+            <a:lnRef idx="2">
+              <a:schemeClr val="accent1">
+                <a:shade val="50000"/>
+              </a:schemeClr>
+            </a:lnRef>
+            <a:fillRef idx="1">
+              <a:schemeClr val="accent1"/>
+            </a:fillRef>
+            <a:effectRef idx="0">
+              <a:schemeClr val="accent1"/>
+            </a:effectRef>
+            <a:fontRef idx="minor">
+              <a:schemeClr val="lt1"/>
+            </a:fontRef>
+          </p:style>
+        </p:cxnSp>
+        <p:cxnSp>
+          <p:nvCxnSpPr>
+            <p:cNvPr id="78" name="Connecteur droit 77"/>
+            <p:cNvCxnSpPr>
+              <a:stCxn id="8" idx="0"/>
+              <a:endCxn id="21" idx="4"/>
+            </p:cNvCxnSpPr>
+            <p:nvPr/>
+          </p:nvCxnSpPr>
+          <p:spPr>
+            <a:xfrm flipV="1">
+              <a:off x="4659847" y="2888900"/>
+              <a:ext cx="0" cy="1082504"/>
+            </a:xfrm>
+            <a:prstGeom prst="line">
+              <a:avLst/>
+            </a:prstGeom>
+            <a:solidFill>
+              <a:schemeClr val="tx2">
+                <a:lumMod val="20000"/>
+                <a:lumOff val="80000"/>
+              </a:schemeClr>
+            </a:solidFill>
+            <a:ln w="19050">
+              <a:solidFill>
+                <a:schemeClr val="tx2"/>
+              </a:solidFill>
+            </a:ln>
+          </p:spPr>
+          <p:style>
+            <a:lnRef idx="2">
+              <a:schemeClr val="accent1">
+                <a:shade val="50000"/>
+              </a:schemeClr>
+            </a:lnRef>
+            <a:fillRef idx="1">
+              <a:schemeClr val="accent1"/>
+            </a:fillRef>
+            <a:effectRef idx="0">
+              <a:schemeClr val="accent1"/>
+            </a:effectRef>
+            <a:fontRef idx="minor">
+              <a:schemeClr val="lt1"/>
+            </a:fontRef>
+          </p:style>
+        </p:cxnSp>
+        <p:cxnSp>
+          <p:nvCxnSpPr>
+            <p:cNvPr id="79" name="Connecteur droit 78"/>
+            <p:cNvCxnSpPr>
+              <a:stCxn id="7" idx="0"/>
+              <a:endCxn id="20" idx="4"/>
+            </p:cNvCxnSpPr>
+            <p:nvPr/>
+          </p:nvCxnSpPr>
+          <p:spPr>
+            <a:xfrm flipV="1">
+              <a:off x="5381798" y="2888900"/>
+              <a:ext cx="0" cy="1082504"/>
+            </a:xfrm>
+            <a:prstGeom prst="line">
+              <a:avLst/>
+            </a:prstGeom>
+            <a:solidFill>
+              <a:schemeClr val="tx2">
+                <a:lumMod val="20000"/>
+                <a:lumOff val="80000"/>
+              </a:schemeClr>
+            </a:solidFill>
+            <a:ln w="19050">
+              <a:solidFill>
+                <a:schemeClr val="tx2"/>
+              </a:solidFill>
+            </a:ln>
+          </p:spPr>
+          <p:style>
+            <a:lnRef idx="2">
+              <a:schemeClr val="accent1">
+                <a:shade val="50000"/>
+              </a:schemeClr>
+            </a:lnRef>
+            <a:fillRef idx="1">
+              <a:schemeClr val="accent1"/>
+            </a:fillRef>
+            <a:effectRef idx="0">
+              <a:schemeClr val="accent1"/>
+            </a:effectRef>
+            <a:fontRef idx="minor">
+              <a:schemeClr val="lt1"/>
+            </a:fontRef>
+          </p:style>
+        </p:cxnSp>
+        <p:grpSp>
+          <p:nvGrpSpPr>
+            <p:cNvPr id="22" name="Groupe 21"/>
+            <p:cNvGrpSpPr/>
+            <p:nvPr/>
+          </p:nvGrpSpPr>
+          <p:grpSpPr>
+            <a:xfrm>
+              <a:off x="2313992" y="2528900"/>
+              <a:ext cx="3247806" cy="1802504"/>
+              <a:chOff x="2313992" y="2528900"/>
+              <a:chExt cx="3247806" cy="1802504"/>
+            </a:xfrm>
+          </p:grpSpPr>
+          <p:grpSp>
+            <p:nvGrpSpPr>
+              <p:cNvPr id="9" name="Groupe 8"/>
+              <p:cNvGrpSpPr/>
+              <p:nvPr/>
+            </p:nvGrpSpPr>
+            <p:grpSpPr>
+              <a:xfrm>
+                <a:off x="2313992" y="3971404"/>
+                <a:ext cx="3247806" cy="360000"/>
+                <a:chOff x="2315580" y="3971404"/>
+                <a:chExt cx="3247806" cy="360000"/>
+              </a:xfrm>
+            </p:grpSpPr>
+            <p:sp>
+              <p:nvSpPr>
+                <p:cNvPr id="4" name="Ellipse 3"/>
+                <p:cNvSpPr/>
+                <p:nvPr/>
+              </p:nvSpPr>
+              <p:spPr>
+                <a:xfrm>
+                  <a:off x="2315580" y="3971404"/>
+                  <a:ext cx="360000" cy="360000"/>
+                </a:xfrm>
+                <a:prstGeom prst="ellipse">
+                  <a:avLst/>
+                </a:prstGeom>
+                <a:solidFill>
+                  <a:schemeClr val="tx2">
+                    <a:lumMod val="20000"/>
+                    <a:lumOff val="80000"/>
+                  </a:schemeClr>
+                </a:solidFill>
+                <a:ln w="19050">
+                  <a:solidFill>
+                    <a:schemeClr val="tx2"/>
+                  </a:solidFill>
+                </a:ln>
+              </p:spPr>
+              <p:style>
+                <a:lnRef idx="2">
+                  <a:schemeClr val="accent1">
+                    <a:shade val="50000"/>
+                  </a:schemeClr>
+                </a:lnRef>
+                <a:fillRef idx="1">
+                  <a:schemeClr val="accent1"/>
+                </a:fillRef>
+                <a:effectRef idx="0">
+                  <a:schemeClr val="accent1"/>
+                </a:effectRef>
+                <a:fontRef idx="minor">
+                  <a:schemeClr val="lt1"/>
+                </a:fontRef>
+              </p:style>
+              <p:txBody>
+                <a:bodyPr lIns="0" tIns="0" rIns="0" bIns="0" rtlCol="0" anchor="ctr"/>
+                <a:lstStyle/>
+                <a:p>
+                  <a:pPr algn="ctr"/>
+                  <a:r>
+                    <a:rPr lang="fr-FR" sz="1000" b="1" dirty="0">
+                      <a:solidFill>
+                        <a:schemeClr val="tx1"/>
+                      </a:solidFill>
+                    </a:rPr>
+                    <a:t>(0,0)</a:t>
+                  </a:r>
+                </a:p>
+              </p:txBody>
+            </p:sp>
+            <p:sp>
+              <p:nvSpPr>
+                <p:cNvPr id="5" name="Ellipse 4"/>
+                <p:cNvSpPr/>
+                <p:nvPr/>
+              </p:nvSpPr>
+              <p:spPr>
+                <a:xfrm>
+                  <a:off x="3759484" y="3971404"/>
+                  <a:ext cx="360000" cy="360000"/>
+                </a:xfrm>
+                <a:prstGeom prst="ellipse">
+                  <a:avLst/>
+                </a:prstGeom>
+                <a:solidFill>
+                  <a:schemeClr val="tx2">
+                    <a:lumMod val="20000"/>
+                    <a:lumOff val="80000"/>
+                  </a:schemeClr>
+                </a:solidFill>
+                <a:ln w="19050">
+                  <a:solidFill>
+                    <a:schemeClr val="tx2"/>
+                  </a:solidFill>
+                </a:ln>
+              </p:spPr>
+              <p:style>
+                <a:lnRef idx="2">
+                  <a:schemeClr val="accent1">
+                    <a:shade val="50000"/>
+                  </a:schemeClr>
+                </a:lnRef>
+                <a:fillRef idx="1">
+                  <a:schemeClr val="accent1"/>
+                </a:fillRef>
+                <a:effectRef idx="0">
+                  <a:schemeClr val="accent1"/>
+                </a:effectRef>
+                <a:fontRef idx="minor">
+                  <a:schemeClr val="lt1"/>
+                </a:fontRef>
+              </p:style>
+              <p:txBody>
+                <a:bodyPr lIns="0" tIns="0" rIns="0" bIns="0" rtlCol="0" anchor="ctr"/>
+                <a:lstStyle/>
+                <a:p>
+                  <a:pPr algn="ctr"/>
+                  <a:r>
+                    <a:rPr lang="fr-FR" sz="1000" b="1" dirty="0">
                       <a:solidFill>
                         <a:schemeClr val="tx1"/>
                       </a:solidFill>
@@ -3544,7 +5343,7 @@
                 <a:p>
                   <a:pPr algn="ctr"/>
                   <a:r>
-                    <a:rPr lang="fr-FR" sz="1000" b="1" dirty="0" smtClean="0">
+                    <a:rPr lang="fr-FR" sz="1000" b="1" dirty="0">
                       <a:solidFill>
                         <a:schemeClr val="tx1"/>
                       </a:solidFill>
@@ -3602,7 +5401,7 @@
                 <a:p>
                   <a:pPr algn="ctr"/>
                   <a:r>
-                    <a:rPr lang="fr-FR" sz="1000" b="1" dirty="0" smtClean="0">
+                    <a:rPr lang="fr-FR" sz="1000" b="1" dirty="0">
                       <a:solidFill>
                         <a:schemeClr val="tx1"/>
                       </a:solidFill>
@@ -3660,7 +5459,7 @@
                 <a:p>
                   <a:pPr algn="ctr"/>
                   <a:r>
-                    <a:rPr lang="fr-FR" sz="1000" b="1" dirty="0" smtClean="0">
+                    <a:rPr lang="fr-FR" sz="1000" b="1" dirty="0">
                       <a:solidFill>
                         <a:schemeClr val="tx1"/>
                       </a:solidFill>
@@ -3733,7 +5532,7 @@
                 <a:p>
                   <a:pPr algn="ctr"/>
                   <a:r>
-                    <a:rPr lang="fr-FR" sz="1000" b="1" dirty="0" smtClean="0">
+                    <a:rPr lang="fr-FR" sz="1000" b="1" dirty="0">
                       <a:solidFill>
                         <a:schemeClr val="tx1"/>
                       </a:solidFill>
@@ -3791,7 +5590,7 @@
                 <a:p>
                   <a:pPr algn="ctr"/>
                   <a:r>
-                    <a:rPr lang="fr-FR" sz="1000" b="1" dirty="0" smtClean="0">
+                    <a:rPr lang="fr-FR" sz="1000" b="1" dirty="0">
                       <a:solidFill>
                         <a:schemeClr val="tx1"/>
                       </a:solidFill>
@@ -3849,7 +5648,7 @@
                 <a:p>
                   <a:pPr algn="ctr"/>
                   <a:r>
-                    <a:rPr lang="fr-FR" sz="1000" b="1" dirty="0" smtClean="0">
+                    <a:rPr lang="fr-FR" sz="1000" b="1" dirty="0">
                       <a:solidFill>
                         <a:schemeClr val="tx1"/>
                       </a:solidFill>
@@ -3907,7 +5706,7 @@
                 <a:p>
                   <a:pPr algn="ctr"/>
                   <a:r>
-                    <a:rPr lang="fr-FR" sz="1000" b="1" dirty="0" smtClean="0">
+                    <a:rPr lang="fr-FR" sz="1000" b="1" dirty="0">
                       <a:solidFill>
                         <a:schemeClr val="tx1"/>
                       </a:solidFill>
@@ -3965,7 +5764,7 @@
                 <a:p>
                   <a:pPr algn="ctr"/>
                   <a:r>
-                    <a:rPr lang="fr-FR" sz="1000" b="1" dirty="0" smtClean="0">
+                    <a:rPr lang="fr-FR" sz="1000" b="1" dirty="0">
                       <a:solidFill>
                         <a:schemeClr val="tx1"/>
                       </a:solidFill>
@@ -4038,7 +5837,7 @@
                 <a:p>
                   <a:pPr algn="ctr"/>
                   <a:r>
-                    <a:rPr lang="fr-FR" sz="1000" b="1" dirty="0" smtClean="0">
+                    <a:rPr lang="fr-FR" sz="1000" b="1" dirty="0">
                       <a:solidFill>
                         <a:schemeClr val="tx1"/>
                       </a:solidFill>
@@ -4096,7 +5895,7 @@
                 <a:p>
                   <a:pPr algn="ctr"/>
                   <a:r>
-                    <a:rPr lang="fr-FR" sz="1000" b="1" dirty="0" smtClean="0">
+                    <a:rPr lang="fr-FR" sz="1000" b="1" dirty="0">
                       <a:solidFill>
                         <a:schemeClr val="tx1"/>
                       </a:solidFill>
@@ -4154,7 +5953,7 @@
                 <a:p>
                   <a:pPr algn="ctr"/>
                   <a:r>
-                    <a:rPr lang="fr-FR" sz="1000" b="1" dirty="0" smtClean="0">
+                    <a:rPr lang="fr-FR" sz="1000" b="1" dirty="0">
                       <a:solidFill>
                         <a:schemeClr val="tx1"/>
                       </a:solidFill>
@@ -4212,12 +6011,12 @@
                 <a:p>
                   <a:pPr algn="ctr"/>
                   <a:r>
-                    <a:rPr lang="fr-FR" sz="1000" b="1" dirty="0" smtClean="0">
+                    <a:rPr lang="fr-FR" sz="1000" b="1" dirty="0">
                       <a:solidFill>
                         <a:schemeClr val="tx1"/>
                       </a:solidFill>
                     </a:rPr>
-                    <a:t>(2,4)</a:t>
+                    <a:t>(4,2)</a:t>
                   </a:r>
                 </a:p>
               </p:txBody>
@@ -4270,7 +6069,7 @@
                 <a:p>
                   <a:pPr algn="ctr"/>
                   <a:r>
-                    <a:rPr lang="fr-FR" sz="1000" b="1" dirty="0" smtClean="0">
+                    <a:rPr lang="fr-FR" sz="1000" b="1" dirty="0">
                       <a:solidFill>
                         <a:schemeClr val="tx1"/>
                       </a:solidFill>
@@ -4557,7 +6356,7 @@
                 <a:p>
                   <a:pPr algn="ctr"/>
                   <a:r>
-                    <a:rPr lang="fr-FR" sz="1000" b="1" dirty="0" smtClean="0">
+                    <a:rPr lang="fr-FR" sz="1000" b="1" dirty="0">
                       <a:solidFill>
                         <a:schemeClr val="tx1"/>
                       </a:solidFill>
@@ -4615,12 +6414,12 @@
                 <a:p>
                   <a:pPr algn="ctr"/>
                   <a:r>
-                    <a:rPr lang="fr-FR" sz="1000" b="1" dirty="0" smtClean="0">
+                    <a:rPr lang="fr-FR" sz="1000" b="1" dirty="0">
                       <a:solidFill>
                         <a:schemeClr val="tx1"/>
                       </a:solidFill>
                     </a:rPr>
-                    <a:t>(0,1)</a:t>
+                    <a:t>(1,0)</a:t>
                   </a:r>
                 </a:p>
               </p:txBody>
@@ -4688,12 +6487,12 @@
                 <a:p>
                   <a:pPr algn="ctr"/>
                   <a:r>
-                    <a:rPr lang="fr-FR" sz="1000" b="1" dirty="0" smtClean="0">
+                    <a:rPr lang="fr-FR" sz="1000" b="1" dirty="0">
                       <a:solidFill>
                         <a:schemeClr val="tx1"/>
                       </a:solidFill>
                     </a:rPr>
-                    <a:t>(1,0)</a:t>
+                    <a:t>(0,1)</a:t>
                   </a:r>
                 </a:p>
               </p:txBody>
@@ -4746,7 +6545,7 @@
                 <a:p>
                   <a:pPr algn="ctr"/>
                   <a:r>
-                    <a:rPr lang="fr-FR" sz="1000" b="1" dirty="0" smtClean="0">
+                    <a:rPr lang="fr-FR" sz="1000" b="1" dirty="0">
                       <a:solidFill>
                         <a:schemeClr val="tx1"/>
                       </a:solidFill>
@@ -4762,7 +6561,7 @@
     </p:spTree>
     <p:extLst>
       <p:ext uri="{BB962C8B-B14F-4D97-AF65-F5344CB8AC3E}">
-        <p14:creationId xmlns:p14="http://schemas.microsoft.com/office/powerpoint/2010/main" val="2607648255"/>
+        <p14:creationId xmlns:p14="http://schemas.microsoft.com/office/powerpoint/2010/main" val="2233408049"/>
       </p:ext>
     </p:extLst>
   </p:cSld>
@@ -4772,7 +6571,7 @@
 </p:sld>
 </file>
 
-<file path=ppt/slides/slide2.xml><?xml version="1.0" encoding="utf-8"?>
+<file path=ppt/slides/slide3.xml><?xml version="1.0" encoding="utf-8"?>
 <p:sld xmlns:a="http://schemas.openxmlformats.org/drawingml/2006/main" xmlns:r="http://schemas.openxmlformats.org/officeDocument/2006/relationships" xmlns:p="http://schemas.openxmlformats.org/presentationml/2006/main">
   <p:cSld>
     <p:spTree>
@@ -5063,7 +6862,7 @@
                 <a:p>
                   <a:pPr algn="ctr"/>
                   <a:r>
-                    <a:rPr lang="fr-FR" sz="1000" b="1" dirty="0" smtClean="0">
+                    <a:rPr lang="fr-FR" sz="1000" b="1" dirty="0">
                       <a:solidFill>
                         <a:schemeClr val="tx1"/>
                       </a:solidFill>
@@ -5121,7 +6920,7 @@
                 <a:p>
                   <a:pPr algn="ctr"/>
                   <a:r>
-                    <a:rPr lang="fr-FR" sz="1000" b="1" dirty="0" smtClean="0">
+                    <a:rPr lang="fr-FR" sz="1000" b="1" dirty="0">
                       <a:solidFill>
                         <a:schemeClr val="tx1"/>
                       </a:solidFill>
@@ -5194,7 +6993,7 @@
                 <a:p>
                   <a:pPr algn="ctr"/>
                   <a:r>
-                    <a:rPr lang="fr-FR" sz="1000" b="1" dirty="0" smtClean="0">
+                    <a:rPr lang="fr-FR" sz="1000" b="1" dirty="0">
                       <a:solidFill>
                         <a:schemeClr val="tx1"/>
                       </a:solidFill>
@@ -5252,7 +7051,7 @@
                 <a:p>
                   <a:pPr algn="ctr"/>
                   <a:r>
-                    <a:rPr lang="fr-FR" sz="1000" b="1" dirty="0" smtClean="0">
+                    <a:rPr lang="fr-FR" sz="1000" b="1" dirty="0">
                       <a:solidFill>
                         <a:schemeClr val="tx1"/>
                       </a:solidFill>
